--- a/LTI_Angular/PPT/ParameterDecorators.pptx
+++ b/LTI_Angular/PPT/ParameterDecorators.pptx
@@ -114,7 +114,7 @@
   </p:defaultTextStyle>
   <p:extLst>
     <p:ext uri="{EFAFB233-063F-42B5-8137-9DF3F51BA10A}">
-      <p15:sldGuideLst xmlns:p15="http://schemas.microsoft.com/office/powerpoint/2012/main"/>
+      <p15:sldGuideLst xmlns:p15="http://schemas.microsoft.com/office/powerpoint/2012/main" xmlns=""/>
     </p:ext>
   </p:extLst>
 </p:presentation>
@@ -142,7 +142,7 @@
           <p:cNvPr id="7" name="Rectangle 6">
             <a:extLst>
               <a:ext uri="{FF2B5EF4-FFF2-40B4-BE49-F238E27FC236}">
-                <a16:creationId xmlns:a16="http://schemas.microsoft.com/office/drawing/2014/main" id="{FB45BD54-D254-4322-AF58-CAE8257A3F82}"/>
+                <a16:creationId xmlns:a16="http://schemas.microsoft.com/office/drawing/2014/main" xmlns="" id="{FB45BD54-D254-4322-AF58-CAE8257A3F82}"/>
               </a:ext>
             </a:extLst>
           </p:cNvPr>
@@ -194,7 +194,7 @@
           <p:cNvPr id="8" name="Rectangle 7">
             <a:extLst>
               <a:ext uri="{FF2B5EF4-FFF2-40B4-BE49-F238E27FC236}">
-                <a16:creationId xmlns:a16="http://schemas.microsoft.com/office/drawing/2014/main" id="{F10DB2E3-BEBB-417E-9A38-25C15BFBA35A}"/>
+                <a16:creationId xmlns:a16="http://schemas.microsoft.com/office/drawing/2014/main" xmlns="" id="{F10DB2E3-BEBB-417E-9A38-25C15BFBA35A}"/>
               </a:ext>
             </a:extLst>
           </p:cNvPr>
@@ -251,7 +251,7 @@
           <p:cNvPr id="9" name="Picture 8">
             <a:extLst>
               <a:ext uri="{FF2B5EF4-FFF2-40B4-BE49-F238E27FC236}">
-                <a16:creationId xmlns:a16="http://schemas.microsoft.com/office/drawing/2014/main" id="{D263A75F-78DF-42A9-BC21-1C7D5E55C115}"/>
+                <a16:creationId xmlns:a16="http://schemas.microsoft.com/office/drawing/2014/main" xmlns="" id="{D263A75F-78DF-42A9-BC21-1C7D5E55C115}"/>
               </a:ext>
             </a:extLst>
           </p:cNvPr>
@@ -261,11 +261,11 @@
           <p:nvPr/>
         </p:nvPicPr>
         <p:blipFill>
-          <a:blip r:embed="rId2">
+          <a:blip r:embed="rId2" cstate="print">
             <a:biLevel thresh="25000"/>
             <a:extLst>
               <a:ext uri="{28A0092B-C50C-407E-A947-70E740481C1C}">
-                <a14:useLocalDpi xmlns:a14="http://schemas.microsoft.com/office/drawing/2010/main" val="0"/>
+                <a14:useLocalDpi xmlns:a14="http://schemas.microsoft.com/office/drawing/2010/main" xmlns="" val="0"/>
               </a:ext>
             </a:extLst>
           </a:blip>
@@ -288,7 +288,7 @@
           <p:cNvPr id="10" name="Rectangle 9">
             <a:extLst>
               <a:ext uri="{FF2B5EF4-FFF2-40B4-BE49-F238E27FC236}">
-                <a16:creationId xmlns:a16="http://schemas.microsoft.com/office/drawing/2014/main" id="{2B1FEF01-CFDC-4705-BBAE-88BD256BEE19}"/>
+                <a16:creationId xmlns:a16="http://schemas.microsoft.com/office/drawing/2014/main" xmlns="" id="{2B1FEF01-CFDC-4705-BBAE-88BD256BEE19}"/>
               </a:ext>
             </a:extLst>
           </p:cNvPr>
@@ -350,7 +350,7 @@
           <p:cNvPr id="11" name="Rectangle 10">
             <a:extLst>
               <a:ext uri="{FF2B5EF4-FFF2-40B4-BE49-F238E27FC236}">
-                <a16:creationId xmlns:a16="http://schemas.microsoft.com/office/drawing/2014/main" id="{776D622D-9BE6-4C9D-8064-B078A5E909E2}"/>
+                <a16:creationId xmlns:a16="http://schemas.microsoft.com/office/drawing/2014/main" xmlns="" id="{776D622D-9BE6-4C9D-8064-B078A5E909E2}"/>
               </a:ext>
             </a:extLst>
           </p:cNvPr>
@@ -412,7 +412,7 @@
           <p:cNvPr id="12" name="Rectangle 11">
             <a:extLst>
               <a:ext uri="{FF2B5EF4-FFF2-40B4-BE49-F238E27FC236}">
-                <a16:creationId xmlns:a16="http://schemas.microsoft.com/office/drawing/2014/main" id="{7B9C8AFD-31CF-44B5-815D-F706827DA94E}"/>
+                <a16:creationId xmlns:a16="http://schemas.microsoft.com/office/drawing/2014/main" xmlns="" id="{7B9C8AFD-31CF-44B5-815D-F706827DA94E}"/>
               </a:ext>
             </a:extLst>
           </p:cNvPr>
@@ -474,7 +474,7 @@
           <p:cNvPr id="13" name="Rectangle 12">
             <a:extLst>
               <a:ext uri="{FF2B5EF4-FFF2-40B4-BE49-F238E27FC236}">
-                <a16:creationId xmlns:a16="http://schemas.microsoft.com/office/drawing/2014/main" id="{CCB5F93B-4C98-41CB-94D6-75C066006312}"/>
+                <a16:creationId xmlns:a16="http://schemas.microsoft.com/office/drawing/2014/main" xmlns="" id="{CCB5F93B-4C98-41CB-94D6-75C066006312}"/>
               </a:ext>
             </a:extLst>
           </p:cNvPr>
@@ -536,7 +536,7 @@
           <p:cNvPr id="14" name="Picture 13">
             <a:extLst>
               <a:ext uri="{FF2B5EF4-FFF2-40B4-BE49-F238E27FC236}">
-                <a16:creationId xmlns:a16="http://schemas.microsoft.com/office/drawing/2014/main" id="{0F325318-E234-4F36-8B87-16BA513E587C}"/>
+                <a16:creationId xmlns:a16="http://schemas.microsoft.com/office/drawing/2014/main" xmlns="" id="{0F325318-E234-4F36-8B87-16BA513E587C}"/>
               </a:ext>
             </a:extLst>
           </p:cNvPr>
@@ -546,10 +546,10 @@
           <p:nvPr/>
         </p:nvPicPr>
         <p:blipFill>
-          <a:blip r:embed="rId3">
+          <a:blip r:embed="rId3" cstate="print">
             <a:extLst>
               <a:ext uri="{28A0092B-C50C-407E-A947-70E740481C1C}">
-                <a14:useLocalDpi xmlns:a14="http://schemas.microsoft.com/office/drawing/2010/main" val="0"/>
+                <a14:useLocalDpi xmlns:a14="http://schemas.microsoft.com/office/drawing/2010/main" xmlns="" val="0"/>
               </a:ext>
             </a:extLst>
           </a:blip>
@@ -572,7 +572,7 @@
           <p:cNvPr id="15" name="Picture 14">
             <a:extLst>
               <a:ext uri="{FF2B5EF4-FFF2-40B4-BE49-F238E27FC236}">
-                <a16:creationId xmlns:a16="http://schemas.microsoft.com/office/drawing/2014/main" id="{33C151AA-4A07-419B-9ED6-CEF6AC61C135}"/>
+                <a16:creationId xmlns:a16="http://schemas.microsoft.com/office/drawing/2014/main" xmlns="" id="{33C151AA-4A07-419B-9ED6-CEF6AC61C135}"/>
               </a:ext>
             </a:extLst>
           </p:cNvPr>
@@ -582,10 +582,10 @@
           <p:nvPr/>
         </p:nvPicPr>
         <p:blipFill>
-          <a:blip r:embed="rId4">
+          <a:blip r:embed="rId4" cstate="print">
             <a:extLst>
               <a:ext uri="{28A0092B-C50C-407E-A947-70E740481C1C}">
-                <a14:useLocalDpi xmlns:a14="http://schemas.microsoft.com/office/drawing/2010/main" val="0"/>
+                <a14:useLocalDpi xmlns:a14="http://schemas.microsoft.com/office/drawing/2010/main" xmlns="" val="0"/>
               </a:ext>
             </a:extLst>
           </a:blip>
@@ -608,7 +608,7 @@
           <p:cNvPr id="2" name="Title 1">
             <a:extLst>
               <a:ext uri="{FF2B5EF4-FFF2-40B4-BE49-F238E27FC236}">
-                <a16:creationId xmlns:a16="http://schemas.microsoft.com/office/drawing/2014/main" id="{357F1B1E-B7D1-4F84-BC64-4CE0DB37DA10}"/>
+                <a16:creationId xmlns:a16="http://schemas.microsoft.com/office/drawing/2014/main" xmlns="" id="{357F1B1E-B7D1-4F84-BC64-4CE0DB37DA10}"/>
               </a:ext>
             </a:extLst>
           </p:cNvPr>
@@ -656,7 +656,7 @@
           <p:cNvPr id="3" name="Subtitle 2">
             <a:extLst>
               <a:ext uri="{FF2B5EF4-FFF2-40B4-BE49-F238E27FC236}">
-                <a16:creationId xmlns:a16="http://schemas.microsoft.com/office/drawing/2014/main" id="{EE486D6E-6BA8-4C52-924A-59253267AF57}"/>
+                <a16:creationId xmlns:a16="http://schemas.microsoft.com/office/drawing/2014/main" xmlns="" id="{EE486D6E-6BA8-4C52-924A-59253267AF57}"/>
               </a:ext>
             </a:extLst>
           </p:cNvPr>
@@ -732,7 +732,7 @@
           <p:cNvPr id="4" name="Date Placeholder 3">
             <a:extLst>
               <a:ext uri="{FF2B5EF4-FFF2-40B4-BE49-F238E27FC236}">
-                <a16:creationId xmlns:a16="http://schemas.microsoft.com/office/drawing/2014/main" id="{D3A3C5C8-6BE2-42E9-8B5A-2ED21D041198}"/>
+                <a16:creationId xmlns:a16="http://schemas.microsoft.com/office/drawing/2014/main" xmlns="" id="{D3A3C5C8-6BE2-42E9-8B5A-2ED21D041198}"/>
               </a:ext>
             </a:extLst>
           </p:cNvPr>
@@ -750,7 +750,8 @@
           <a:p>
             <a:fld id="{D2474CCF-98B4-411A-8810-C31E8C29E19B}" type="datetimeFigureOut">
               <a:rPr lang="en-US" smtClean="0"/>
-              <a:t>3/31/2022</a:t>
+              <a:pPr/>
+              <a:t>7/27/2023</a:t>
             </a:fld>
             <a:endParaRPr lang="en-US"/>
           </a:p>
@@ -761,7 +762,7 @@
           <p:cNvPr id="5" name="Footer Placeholder 4">
             <a:extLst>
               <a:ext uri="{FF2B5EF4-FFF2-40B4-BE49-F238E27FC236}">
-                <a16:creationId xmlns:a16="http://schemas.microsoft.com/office/drawing/2014/main" id="{5318EDC7-CDC2-4407-9F8F-C0CEAA400966}"/>
+                <a16:creationId xmlns:a16="http://schemas.microsoft.com/office/drawing/2014/main" xmlns="" id="{5318EDC7-CDC2-4407-9F8F-C0CEAA400966}"/>
               </a:ext>
             </a:extLst>
           </p:cNvPr>
@@ -786,7 +787,7 @@
           <p:cNvPr id="6" name="Slide Number Placeholder 5">
             <a:extLst>
               <a:ext uri="{FF2B5EF4-FFF2-40B4-BE49-F238E27FC236}">
-                <a16:creationId xmlns:a16="http://schemas.microsoft.com/office/drawing/2014/main" id="{B6F695F3-58FF-4760-B1DC-C5025EA66D87}"/>
+                <a16:creationId xmlns:a16="http://schemas.microsoft.com/office/drawing/2014/main" xmlns="" id="{B6F695F3-58FF-4760-B1DC-C5025EA66D87}"/>
               </a:ext>
             </a:extLst>
           </p:cNvPr>
@@ -804,6 +805,7 @@
           <a:p>
             <a:fld id="{A1FD0E78-183D-4F7D-A18B-8A4BED7B6988}" type="slidenum">
               <a:rPr lang="en-US" smtClean="0"/>
+              <a:pPr/>
               <a:t>‹#›</a:t>
             </a:fld>
             <a:endParaRPr lang="en-US"/>
@@ -815,7 +817,7 @@
           <p:cNvPr id="17" name="Straight Connector 16">
             <a:extLst>
               <a:ext uri="{FF2B5EF4-FFF2-40B4-BE49-F238E27FC236}">
-                <a16:creationId xmlns:a16="http://schemas.microsoft.com/office/drawing/2014/main" id="{70565CEE-49E5-468C-A0B4-83E886C61D84}"/>
+                <a16:creationId xmlns:a16="http://schemas.microsoft.com/office/drawing/2014/main" xmlns="" id="{70565CEE-49E5-468C-A0B4-83E886C61D84}"/>
               </a:ext>
             </a:extLst>
           </p:cNvPr>
@@ -851,7 +853,7 @@
           <p:cNvPr id="18" name="Freeform: Shape 17">
             <a:extLst>
               <a:ext uri="{FF2B5EF4-FFF2-40B4-BE49-F238E27FC236}">
-                <a16:creationId xmlns:a16="http://schemas.microsoft.com/office/drawing/2014/main" id="{740C7E80-A24C-4396-B051-437EF1D79AB8}"/>
+                <a16:creationId xmlns:a16="http://schemas.microsoft.com/office/drawing/2014/main" xmlns="" id="{740C7E80-A24C-4396-B051-437EF1D79AB8}"/>
               </a:ext>
             </a:extLst>
           </p:cNvPr>
@@ -948,7 +950,7 @@
           <p:cNvPr id="19" name="Freeform: Shape 18">
             <a:extLst>
               <a:ext uri="{FF2B5EF4-FFF2-40B4-BE49-F238E27FC236}">
-                <a16:creationId xmlns:a16="http://schemas.microsoft.com/office/drawing/2014/main" id="{C52EBDC4-1E90-4F52-92F1-8C4F5999C539}"/>
+                <a16:creationId xmlns:a16="http://schemas.microsoft.com/office/drawing/2014/main" xmlns="" id="{C52EBDC4-1E90-4F52-92F1-8C4F5999C539}"/>
               </a:ext>
             </a:extLst>
           </p:cNvPr>
@@ -1043,7 +1045,7 @@
     </p:spTree>
     <p:extLst>
       <p:ext uri="{BB962C8B-B14F-4D97-AF65-F5344CB8AC3E}">
-        <p14:creationId xmlns:p14="http://schemas.microsoft.com/office/powerpoint/2010/main" val="1137530690"/>
+        <p14:creationId xmlns:p14="http://schemas.microsoft.com/office/powerpoint/2010/main" xmlns="" val="1137530690"/>
       </p:ext>
     </p:extLst>
   </p:cSld>
@@ -1075,7 +1077,7 @@
           <p:cNvPr id="2" name="Title 1">
             <a:extLst>
               <a:ext uri="{FF2B5EF4-FFF2-40B4-BE49-F238E27FC236}">
-                <a16:creationId xmlns:a16="http://schemas.microsoft.com/office/drawing/2014/main" id="{954B1346-0FB6-45C7-A96E-DBDDF4C7C069}"/>
+                <a16:creationId xmlns:a16="http://schemas.microsoft.com/office/drawing/2014/main" xmlns="" id="{954B1346-0FB6-45C7-A96E-DBDDF4C7C069}"/>
               </a:ext>
             </a:extLst>
           </p:cNvPr>
@@ -1103,7 +1105,7 @@
           <p:cNvPr id="3" name="Vertical Text Placeholder 2">
             <a:extLst>
               <a:ext uri="{FF2B5EF4-FFF2-40B4-BE49-F238E27FC236}">
-                <a16:creationId xmlns:a16="http://schemas.microsoft.com/office/drawing/2014/main" id="{5C29AF55-8DB4-4235-B18B-7CA1658AEA7D}"/>
+                <a16:creationId xmlns:a16="http://schemas.microsoft.com/office/drawing/2014/main" xmlns="" id="{5C29AF55-8DB4-4235-B18B-7CA1658AEA7D}"/>
               </a:ext>
             </a:extLst>
           </p:cNvPr>
@@ -1160,7 +1162,7 @@
           <p:cNvPr id="4" name="Date Placeholder 3">
             <a:extLst>
               <a:ext uri="{FF2B5EF4-FFF2-40B4-BE49-F238E27FC236}">
-                <a16:creationId xmlns:a16="http://schemas.microsoft.com/office/drawing/2014/main" id="{1AF36DFF-55B4-41FE-BF5D-FC115ECB708B}"/>
+                <a16:creationId xmlns:a16="http://schemas.microsoft.com/office/drawing/2014/main" xmlns="" id="{1AF36DFF-55B4-41FE-BF5D-FC115ECB708B}"/>
               </a:ext>
             </a:extLst>
           </p:cNvPr>
@@ -1178,7 +1180,8 @@
           <a:p>
             <a:fld id="{D2474CCF-98B4-411A-8810-C31E8C29E19B}" type="datetimeFigureOut">
               <a:rPr lang="en-US" smtClean="0"/>
-              <a:t>3/31/2022</a:t>
+              <a:pPr/>
+              <a:t>7/27/2023</a:t>
             </a:fld>
             <a:endParaRPr lang="en-US"/>
           </a:p>
@@ -1189,7 +1192,7 @@
           <p:cNvPr id="5" name="Footer Placeholder 4">
             <a:extLst>
               <a:ext uri="{FF2B5EF4-FFF2-40B4-BE49-F238E27FC236}">
-                <a16:creationId xmlns:a16="http://schemas.microsoft.com/office/drawing/2014/main" id="{CB1B04A8-2C06-4BAA-A780-6380C576F998}"/>
+                <a16:creationId xmlns:a16="http://schemas.microsoft.com/office/drawing/2014/main" xmlns="" id="{CB1B04A8-2C06-4BAA-A780-6380C576F998}"/>
               </a:ext>
             </a:extLst>
           </p:cNvPr>
@@ -1214,7 +1217,7 @@
           <p:cNvPr id="6" name="Slide Number Placeholder 5">
             <a:extLst>
               <a:ext uri="{FF2B5EF4-FFF2-40B4-BE49-F238E27FC236}">
-                <a16:creationId xmlns:a16="http://schemas.microsoft.com/office/drawing/2014/main" id="{5A3476E6-F3EA-4F13-B40F-1978B532D33E}"/>
+                <a16:creationId xmlns:a16="http://schemas.microsoft.com/office/drawing/2014/main" xmlns="" id="{5A3476E6-F3EA-4F13-B40F-1978B532D33E}"/>
               </a:ext>
             </a:extLst>
           </p:cNvPr>
@@ -1232,6 +1235,7 @@
           <a:p>
             <a:fld id="{A1FD0E78-183D-4F7D-A18B-8A4BED7B6988}" type="slidenum">
               <a:rPr lang="en-US" smtClean="0"/>
+              <a:pPr/>
               <a:t>‹#›</a:t>
             </a:fld>
             <a:endParaRPr lang="en-US"/>
@@ -1241,7 +1245,7 @@
     </p:spTree>
     <p:extLst>
       <p:ext uri="{BB962C8B-B14F-4D97-AF65-F5344CB8AC3E}">
-        <p14:creationId xmlns:p14="http://schemas.microsoft.com/office/powerpoint/2010/main" val="1738558996"/>
+        <p14:creationId xmlns:p14="http://schemas.microsoft.com/office/powerpoint/2010/main" xmlns="" val="1738558996"/>
       </p:ext>
     </p:extLst>
   </p:cSld>
@@ -1273,7 +1277,7 @@
           <p:cNvPr id="2" name="Vertical Title 1">
             <a:extLst>
               <a:ext uri="{FF2B5EF4-FFF2-40B4-BE49-F238E27FC236}">
-                <a16:creationId xmlns:a16="http://schemas.microsoft.com/office/drawing/2014/main" id="{8BDEE29A-7B74-4351-AF12-4B1C4A1C76B4}"/>
+                <a16:creationId xmlns:a16="http://schemas.microsoft.com/office/drawing/2014/main" xmlns="" id="{8BDEE29A-7B74-4351-AF12-4B1C4A1C76B4}"/>
               </a:ext>
             </a:extLst>
           </p:cNvPr>
@@ -1306,7 +1310,7 @@
           <p:cNvPr id="3" name="Vertical Text Placeholder 2">
             <a:extLst>
               <a:ext uri="{FF2B5EF4-FFF2-40B4-BE49-F238E27FC236}">
-                <a16:creationId xmlns:a16="http://schemas.microsoft.com/office/drawing/2014/main" id="{003DBD61-8BBB-4413-B521-69C6BA2EBDB8}"/>
+                <a16:creationId xmlns:a16="http://schemas.microsoft.com/office/drawing/2014/main" xmlns="" id="{003DBD61-8BBB-4413-B521-69C6BA2EBDB8}"/>
               </a:ext>
             </a:extLst>
           </p:cNvPr>
@@ -1368,7 +1372,7 @@
           <p:cNvPr id="4" name="Date Placeholder 3">
             <a:extLst>
               <a:ext uri="{FF2B5EF4-FFF2-40B4-BE49-F238E27FC236}">
-                <a16:creationId xmlns:a16="http://schemas.microsoft.com/office/drawing/2014/main" id="{83B486CF-3404-43E2-AAB7-B052FC466837}"/>
+                <a16:creationId xmlns:a16="http://schemas.microsoft.com/office/drawing/2014/main" xmlns="" id="{83B486CF-3404-43E2-AAB7-B052FC466837}"/>
               </a:ext>
             </a:extLst>
           </p:cNvPr>
@@ -1386,7 +1390,8 @@
           <a:p>
             <a:fld id="{D2474CCF-98B4-411A-8810-C31E8C29E19B}" type="datetimeFigureOut">
               <a:rPr lang="en-US" smtClean="0"/>
-              <a:t>3/31/2022</a:t>
+              <a:pPr/>
+              <a:t>7/27/2023</a:t>
             </a:fld>
             <a:endParaRPr lang="en-US"/>
           </a:p>
@@ -1397,7 +1402,7 @@
           <p:cNvPr id="5" name="Footer Placeholder 4">
             <a:extLst>
               <a:ext uri="{FF2B5EF4-FFF2-40B4-BE49-F238E27FC236}">
-                <a16:creationId xmlns:a16="http://schemas.microsoft.com/office/drawing/2014/main" id="{F37AE448-840B-441A-88AC-D0E89CE174BF}"/>
+                <a16:creationId xmlns:a16="http://schemas.microsoft.com/office/drawing/2014/main" xmlns="" id="{F37AE448-840B-441A-88AC-D0E89CE174BF}"/>
               </a:ext>
             </a:extLst>
           </p:cNvPr>
@@ -1422,7 +1427,7 @@
           <p:cNvPr id="6" name="Slide Number Placeholder 5">
             <a:extLst>
               <a:ext uri="{FF2B5EF4-FFF2-40B4-BE49-F238E27FC236}">
-                <a16:creationId xmlns:a16="http://schemas.microsoft.com/office/drawing/2014/main" id="{E3356B10-E457-4193-8E4C-4179814527ED}"/>
+                <a16:creationId xmlns:a16="http://schemas.microsoft.com/office/drawing/2014/main" xmlns="" id="{E3356B10-E457-4193-8E4C-4179814527ED}"/>
               </a:ext>
             </a:extLst>
           </p:cNvPr>
@@ -1440,6 +1445,7 @@
           <a:p>
             <a:fld id="{A1FD0E78-183D-4F7D-A18B-8A4BED7B6988}" type="slidenum">
               <a:rPr lang="en-US" smtClean="0"/>
+              <a:pPr/>
               <a:t>‹#›</a:t>
             </a:fld>
             <a:endParaRPr lang="en-US"/>
@@ -1449,7 +1455,7 @@
     </p:spTree>
     <p:extLst>
       <p:ext uri="{BB962C8B-B14F-4D97-AF65-F5344CB8AC3E}">
-        <p14:creationId xmlns:p14="http://schemas.microsoft.com/office/powerpoint/2010/main" val="1506037322"/>
+        <p14:creationId xmlns:p14="http://schemas.microsoft.com/office/powerpoint/2010/main" xmlns="" val="1506037322"/>
       </p:ext>
     </p:extLst>
   </p:cSld>
@@ -1481,7 +1487,7 @@
           <p:cNvPr id="7" name="Rectangle 6">
             <a:extLst>
               <a:ext uri="{FF2B5EF4-FFF2-40B4-BE49-F238E27FC236}">
-                <a16:creationId xmlns:a16="http://schemas.microsoft.com/office/drawing/2014/main" id="{A8C48660-697D-4BB9-97F6-A5BB6C764668}"/>
+                <a16:creationId xmlns:a16="http://schemas.microsoft.com/office/drawing/2014/main" xmlns="" id="{A8C48660-697D-4BB9-97F6-A5BB6C764668}"/>
               </a:ext>
             </a:extLst>
           </p:cNvPr>
@@ -1530,7 +1536,7 @@
           <p:cNvPr id="8" name="Rectangle 7">
             <a:extLst>
               <a:ext uri="{FF2B5EF4-FFF2-40B4-BE49-F238E27FC236}">
-                <a16:creationId xmlns:a16="http://schemas.microsoft.com/office/drawing/2014/main" id="{BD0BE8EE-2EB2-435C-9D5A-AAA15842A36C}"/>
+                <a16:creationId xmlns:a16="http://schemas.microsoft.com/office/drawing/2014/main" xmlns="" id="{BD0BE8EE-2EB2-435C-9D5A-AAA15842A36C}"/>
               </a:ext>
             </a:extLst>
           </p:cNvPr>
@@ -1587,7 +1593,7 @@
           <p:cNvPr id="9" name="Rectangle 8">
             <a:extLst>
               <a:ext uri="{FF2B5EF4-FFF2-40B4-BE49-F238E27FC236}">
-                <a16:creationId xmlns:a16="http://schemas.microsoft.com/office/drawing/2014/main" id="{423355C8-5657-4103-B600-59803F24DBFF}"/>
+                <a16:creationId xmlns:a16="http://schemas.microsoft.com/office/drawing/2014/main" xmlns="" id="{423355C8-5657-4103-B600-59803F24DBFF}"/>
               </a:ext>
             </a:extLst>
           </p:cNvPr>
@@ -1649,7 +1655,7 @@
           <p:cNvPr id="10" name="Rectangle 9">
             <a:extLst>
               <a:ext uri="{FF2B5EF4-FFF2-40B4-BE49-F238E27FC236}">
-                <a16:creationId xmlns:a16="http://schemas.microsoft.com/office/drawing/2014/main" id="{CFF2C038-CD71-4DD5-AD56-49FB9C0E8AF6}"/>
+                <a16:creationId xmlns:a16="http://schemas.microsoft.com/office/drawing/2014/main" xmlns="" id="{CFF2C038-CD71-4DD5-AD56-49FB9C0E8AF6}"/>
               </a:ext>
             </a:extLst>
           </p:cNvPr>
@@ -1711,7 +1717,7 @@
           <p:cNvPr id="11" name="Rectangle 10">
             <a:extLst>
               <a:ext uri="{FF2B5EF4-FFF2-40B4-BE49-F238E27FC236}">
-                <a16:creationId xmlns:a16="http://schemas.microsoft.com/office/drawing/2014/main" id="{D626EA1A-6BCF-4846-ABF3-498AD8F1EC82}"/>
+                <a16:creationId xmlns:a16="http://schemas.microsoft.com/office/drawing/2014/main" xmlns="" id="{D626EA1A-6BCF-4846-ABF3-498AD8F1EC82}"/>
               </a:ext>
             </a:extLst>
           </p:cNvPr>
@@ -1773,7 +1779,7 @@
           <p:cNvPr id="12" name="Rectangle 11">
             <a:extLst>
               <a:ext uri="{FF2B5EF4-FFF2-40B4-BE49-F238E27FC236}">
-                <a16:creationId xmlns:a16="http://schemas.microsoft.com/office/drawing/2014/main" id="{E91F1E9A-33FE-49BA-B69E-30EA3CC61DB9}"/>
+                <a16:creationId xmlns:a16="http://schemas.microsoft.com/office/drawing/2014/main" xmlns="" id="{E91F1E9A-33FE-49BA-B69E-30EA3CC61DB9}"/>
               </a:ext>
             </a:extLst>
           </p:cNvPr>
@@ -1835,7 +1841,7 @@
           <p:cNvPr id="13" name="Picture 12">
             <a:extLst>
               <a:ext uri="{FF2B5EF4-FFF2-40B4-BE49-F238E27FC236}">
-                <a16:creationId xmlns:a16="http://schemas.microsoft.com/office/drawing/2014/main" id="{B9CD68B3-2898-4D6B-B5C2-F62D51C485D5}"/>
+                <a16:creationId xmlns:a16="http://schemas.microsoft.com/office/drawing/2014/main" xmlns="" id="{B9CD68B3-2898-4D6B-B5C2-F62D51C485D5}"/>
               </a:ext>
             </a:extLst>
           </p:cNvPr>
@@ -1845,10 +1851,10 @@
           <p:nvPr/>
         </p:nvPicPr>
         <p:blipFill>
-          <a:blip r:embed="rId2">
+          <a:blip r:embed="rId2" cstate="print">
             <a:extLst>
               <a:ext uri="{28A0092B-C50C-407E-A947-70E740481C1C}">
-                <a14:useLocalDpi xmlns:a14="http://schemas.microsoft.com/office/drawing/2010/main" val="0"/>
+                <a14:useLocalDpi xmlns:a14="http://schemas.microsoft.com/office/drawing/2010/main" xmlns="" val="0"/>
               </a:ext>
             </a:extLst>
           </a:blip>
@@ -1871,7 +1877,7 @@
           <p:cNvPr id="14" name="Group 13">
             <a:extLst>
               <a:ext uri="{FF2B5EF4-FFF2-40B4-BE49-F238E27FC236}">
-                <a16:creationId xmlns:a16="http://schemas.microsoft.com/office/drawing/2014/main" id="{C4873B59-2742-4F87-99A9-E1AA8FCD8E50}"/>
+                <a16:creationId xmlns:a16="http://schemas.microsoft.com/office/drawing/2014/main" xmlns="" id="{C4873B59-2742-4F87-99A9-E1AA8FCD8E50}"/>
               </a:ext>
             </a:extLst>
           </p:cNvPr>
@@ -1891,7 +1897,7 @@
             <p:cNvPr id="15" name="Picture 14">
               <a:extLst>
                 <a:ext uri="{FF2B5EF4-FFF2-40B4-BE49-F238E27FC236}">
-                  <a16:creationId xmlns:a16="http://schemas.microsoft.com/office/drawing/2014/main" id="{289441B2-4EF5-4599-887F-42F7A59ADD20}"/>
+                  <a16:creationId xmlns:a16="http://schemas.microsoft.com/office/drawing/2014/main" xmlns="" id="{289441B2-4EF5-4599-887F-42F7A59ADD20}"/>
                 </a:ext>
               </a:extLst>
             </p:cNvPr>
@@ -1901,10 +1907,10 @@
             <p:nvPr/>
           </p:nvPicPr>
           <p:blipFill>
-            <a:blip r:embed="rId3">
+            <a:blip r:embed="rId3" cstate="print">
               <a:extLst>
                 <a:ext uri="{28A0092B-C50C-407E-A947-70E740481C1C}">
-                  <a14:useLocalDpi xmlns:a14="http://schemas.microsoft.com/office/drawing/2010/main" val="0"/>
+                  <a14:useLocalDpi xmlns:a14="http://schemas.microsoft.com/office/drawing/2010/main" xmlns="" val="0"/>
                 </a:ext>
               </a:extLst>
             </a:blip>
@@ -1927,7 +1933,7 @@
             <p:cNvPr id="16" name="Rectangle 15">
               <a:extLst>
                 <a:ext uri="{FF2B5EF4-FFF2-40B4-BE49-F238E27FC236}">
-                  <a16:creationId xmlns:a16="http://schemas.microsoft.com/office/drawing/2014/main" id="{C4F730E1-3FAD-4138-ACCA-276E0BBA031B}"/>
+                  <a16:creationId xmlns:a16="http://schemas.microsoft.com/office/drawing/2014/main" xmlns="" id="{C4F730E1-3FAD-4138-ACCA-276E0BBA031B}"/>
                 </a:ext>
               </a:extLst>
             </p:cNvPr>
@@ -1982,7 +1988,7 @@
           <p:cNvPr id="2" name="Title 1">
             <a:extLst>
               <a:ext uri="{FF2B5EF4-FFF2-40B4-BE49-F238E27FC236}">
-                <a16:creationId xmlns:a16="http://schemas.microsoft.com/office/drawing/2014/main" id="{3F08D64F-302C-4B73-A9F2-946CA338260A}"/>
+                <a16:creationId xmlns:a16="http://schemas.microsoft.com/office/drawing/2014/main" xmlns="" id="{3F08D64F-302C-4B73-A9F2-946CA338260A}"/>
               </a:ext>
             </a:extLst>
           </p:cNvPr>
@@ -2028,7 +2034,7 @@
           <p:cNvPr id="3" name="Content Placeholder 2">
             <a:extLst>
               <a:ext uri="{FF2B5EF4-FFF2-40B4-BE49-F238E27FC236}">
-                <a16:creationId xmlns:a16="http://schemas.microsoft.com/office/drawing/2014/main" id="{372EB2DC-2ADD-4476-921C-5457C12D154E}"/>
+                <a16:creationId xmlns:a16="http://schemas.microsoft.com/office/drawing/2014/main" xmlns="" id="{372EB2DC-2ADD-4476-921C-5457C12D154E}"/>
               </a:ext>
             </a:extLst>
           </p:cNvPr>
@@ -2144,7 +2150,7 @@
           <p:cNvPr id="4" name="Date Placeholder 3">
             <a:extLst>
               <a:ext uri="{FF2B5EF4-FFF2-40B4-BE49-F238E27FC236}">
-                <a16:creationId xmlns:a16="http://schemas.microsoft.com/office/drawing/2014/main" id="{C68B0C41-3748-45BA-AC12-3356750D6CCC}"/>
+                <a16:creationId xmlns:a16="http://schemas.microsoft.com/office/drawing/2014/main" xmlns="" id="{C68B0C41-3748-45BA-AC12-3356750D6CCC}"/>
               </a:ext>
             </a:extLst>
           </p:cNvPr>
@@ -2162,7 +2168,8 @@
           <a:p>
             <a:fld id="{D2474CCF-98B4-411A-8810-C31E8C29E19B}" type="datetimeFigureOut">
               <a:rPr lang="en-US" smtClean="0"/>
-              <a:t>3/31/2022</a:t>
+              <a:pPr/>
+              <a:t>7/27/2023</a:t>
             </a:fld>
             <a:endParaRPr lang="en-US"/>
           </a:p>
@@ -2173,7 +2180,7 @@
           <p:cNvPr id="5" name="Footer Placeholder 4">
             <a:extLst>
               <a:ext uri="{FF2B5EF4-FFF2-40B4-BE49-F238E27FC236}">
-                <a16:creationId xmlns:a16="http://schemas.microsoft.com/office/drawing/2014/main" id="{B2BC5298-80C2-435C-BE19-55A311B75B01}"/>
+                <a16:creationId xmlns:a16="http://schemas.microsoft.com/office/drawing/2014/main" xmlns="" id="{B2BC5298-80C2-435C-BE19-55A311B75B01}"/>
               </a:ext>
             </a:extLst>
           </p:cNvPr>
@@ -2198,7 +2205,7 @@
           <p:cNvPr id="6" name="Slide Number Placeholder 5">
             <a:extLst>
               <a:ext uri="{FF2B5EF4-FFF2-40B4-BE49-F238E27FC236}">
-                <a16:creationId xmlns:a16="http://schemas.microsoft.com/office/drawing/2014/main" id="{81E8E2F2-0AF5-4302-9483-8FB2AC4A12E3}"/>
+                <a16:creationId xmlns:a16="http://schemas.microsoft.com/office/drawing/2014/main" xmlns="" id="{81E8E2F2-0AF5-4302-9483-8FB2AC4A12E3}"/>
               </a:ext>
             </a:extLst>
           </p:cNvPr>
@@ -2216,6 +2223,7 @@
           <a:p>
             <a:fld id="{A1FD0E78-183D-4F7D-A18B-8A4BED7B6988}" type="slidenum">
               <a:rPr lang="en-US" smtClean="0"/>
+              <a:pPr/>
               <a:t>‹#›</a:t>
             </a:fld>
             <a:endParaRPr lang="en-US"/>
@@ -2225,7 +2233,7 @@
     </p:spTree>
     <p:extLst>
       <p:ext uri="{BB962C8B-B14F-4D97-AF65-F5344CB8AC3E}">
-        <p14:creationId xmlns:p14="http://schemas.microsoft.com/office/powerpoint/2010/main" val="4191452652"/>
+        <p14:creationId xmlns:p14="http://schemas.microsoft.com/office/powerpoint/2010/main" xmlns="" val="4191452652"/>
       </p:ext>
     </p:extLst>
   </p:cSld>
@@ -2257,7 +2265,7 @@
           <p:cNvPr id="7" name="Rectangle 6">
             <a:extLst>
               <a:ext uri="{FF2B5EF4-FFF2-40B4-BE49-F238E27FC236}">
-                <a16:creationId xmlns:a16="http://schemas.microsoft.com/office/drawing/2014/main" id="{CD1C76EB-EFA3-4D98-BF85-9CBAD51246C3}"/>
+                <a16:creationId xmlns:a16="http://schemas.microsoft.com/office/drawing/2014/main" xmlns="" id="{CD1C76EB-EFA3-4D98-BF85-9CBAD51246C3}"/>
               </a:ext>
             </a:extLst>
           </p:cNvPr>
@@ -2309,7 +2317,7 @@
           <p:cNvPr id="8" name="Rectangle 7">
             <a:extLst>
               <a:ext uri="{FF2B5EF4-FFF2-40B4-BE49-F238E27FC236}">
-                <a16:creationId xmlns:a16="http://schemas.microsoft.com/office/drawing/2014/main" id="{70F9218A-B816-4B5F-A0BE-D0AAD688BCDE}"/>
+                <a16:creationId xmlns:a16="http://schemas.microsoft.com/office/drawing/2014/main" xmlns="" id="{70F9218A-B816-4B5F-A0BE-D0AAD688BCDE}"/>
               </a:ext>
             </a:extLst>
           </p:cNvPr>
@@ -2366,7 +2374,7 @@
           <p:cNvPr id="9" name="Picture 8">
             <a:extLst>
               <a:ext uri="{FF2B5EF4-FFF2-40B4-BE49-F238E27FC236}">
-                <a16:creationId xmlns:a16="http://schemas.microsoft.com/office/drawing/2014/main" id="{07792D18-2682-4285-9429-837643BCD1C7}"/>
+                <a16:creationId xmlns:a16="http://schemas.microsoft.com/office/drawing/2014/main" xmlns="" id="{07792D18-2682-4285-9429-837643BCD1C7}"/>
               </a:ext>
             </a:extLst>
           </p:cNvPr>
@@ -2376,11 +2384,11 @@
           <p:nvPr/>
         </p:nvPicPr>
         <p:blipFill>
-          <a:blip r:embed="rId2">
+          <a:blip r:embed="rId2" cstate="print">
             <a:biLevel thresh="25000"/>
             <a:extLst>
               <a:ext uri="{28A0092B-C50C-407E-A947-70E740481C1C}">
-                <a14:useLocalDpi xmlns:a14="http://schemas.microsoft.com/office/drawing/2010/main" val="0"/>
+                <a14:useLocalDpi xmlns:a14="http://schemas.microsoft.com/office/drawing/2010/main" xmlns="" val="0"/>
               </a:ext>
             </a:extLst>
           </a:blip>
@@ -2403,7 +2411,7 @@
           <p:cNvPr id="10" name="Rectangle 9">
             <a:extLst>
               <a:ext uri="{FF2B5EF4-FFF2-40B4-BE49-F238E27FC236}">
-                <a16:creationId xmlns:a16="http://schemas.microsoft.com/office/drawing/2014/main" id="{31E5457F-D05E-4FBC-AA16-B4542B833804}"/>
+                <a16:creationId xmlns:a16="http://schemas.microsoft.com/office/drawing/2014/main" xmlns="" id="{31E5457F-D05E-4FBC-AA16-B4542B833804}"/>
               </a:ext>
             </a:extLst>
           </p:cNvPr>
@@ -2465,7 +2473,7 @@
           <p:cNvPr id="11" name="Rectangle 10">
             <a:extLst>
               <a:ext uri="{FF2B5EF4-FFF2-40B4-BE49-F238E27FC236}">
-                <a16:creationId xmlns:a16="http://schemas.microsoft.com/office/drawing/2014/main" id="{3D20450F-F92F-43A7-B557-0485260B48EC}"/>
+                <a16:creationId xmlns:a16="http://schemas.microsoft.com/office/drawing/2014/main" xmlns="" id="{3D20450F-F92F-43A7-B557-0485260B48EC}"/>
               </a:ext>
             </a:extLst>
           </p:cNvPr>
@@ -2527,7 +2535,7 @@
           <p:cNvPr id="12" name="Rectangle 11">
             <a:extLst>
               <a:ext uri="{FF2B5EF4-FFF2-40B4-BE49-F238E27FC236}">
-                <a16:creationId xmlns:a16="http://schemas.microsoft.com/office/drawing/2014/main" id="{20D495CD-0755-4CD0-952C-38FDFD818912}"/>
+                <a16:creationId xmlns:a16="http://schemas.microsoft.com/office/drawing/2014/main" xmlns="" id="{20D495CD-0755-4CD0-952C-38FDFD818912}"/>
               </a:ext>
             </a:extLst>
           </p:cNvPr>
@@ -2589,7 +2597,7 @@
           <p:cNvPr id="13" name="Rectangle 12">
             <a:extLst>
               <a:ext uri="{FF2B5EF4-FFF2-40B4-BE49-F238E27FC236}">
-                <a16:creationId xmlns:a16="http://schemas.microsoft.com/office/drawing/2014/main" id="{F756530E-6471-4A98-9409-D28702635498}"/>
+                <a16:creationId xmlns:a16="http://schemas.microsoft.com/office/drawing/2014/main" xmlns="" id="{F756530E-6471-4A98-9409-D28702635498}"/>
               </a:ext>
             </a:extLst>
           </p:cNvPr>
@@ -2651,7 +2659,7 @@
           <p:cNvPr id="2" name="Title 1">
             <a:extLst>
               <a:ext uri="{FF2B5EF4-FFF2-40B4-BE49-F238E27FC236}">
-                <a16:creationId xmlns:a16="http://schemas.microsoft.com/office/drawing/2014/main" id="{54E16744-0EC5-4409-8030-9D707EE1A1D6}"/>
+                <a16:creationId xmlns:a16="http://schemas.microsoft.com/office/drawing/2014/main" xmlns="" id="{54E16744-0EC5-4409-8030-9D707EE1A1D6}"/>
               </a:ext>
             </a:extLst>
           </p:cNvPr>
@@ -2696,7 +2704,7 @@
           <p:cNvPr id="3" name="Text Placeholder 2">
             <a:extLst>
               <a:ext uri="{FF2B5EF4-FFF2-40B4-BE49-F238E27FC236}">
-                <a16:creationId xmlns:a16="http://schemas.microsoft.com/office/drawing/2014/main" id="{C98CF225-F19A-40FE-9134-ADAC53A2CB8E}"/>
+                <a16:creationId xmlns:a16="http://schemas.microsoft.com/office/drawing/2014/main" xmlns="" id="{C98CF225-F19A-40FE-9134-ADAC53A2CB8E}"/>
               </a:ext>
             </a:extLst>
           </p:cNvPr>
@@ -2822,7 +2830,7 @@
           <p:cNvPr id="4" name="Date Placeholder 3">
             <a:extLst>
               <a:ext uri="{FF2B5EF4-FFF2-40B4-BE49-F238E27FC236}">
-                <a16:creationId xmlns:a16="http://schemas.microsoft.com/office/drawing/2014/main" id="{E6052890-A463-40F0-8781-AB9ECF34701B}"/>
+                <a16:creationId xmlns:a16="http://schemas.microsoft.com/office/drawing/2014/main" xmlns="" id="{E6052890-A463-40F0-8781-AB9ECF34701B}"/>
               </a:ext>
             </a:extLst>
           </p:cNvPr>
@@ -2840,7 +2848,8 @@
           <a:p>
             <a:fld id="{D2474CCF-98B4-411A-8810-C31E8C29E19B}" type="datetimeFigureOut">
               <a:rPr lang="en-US" smtClean="0"/>
-              <a:t>3/31/2022</a:t>
+              <a:pPr/>
+              <a:t>7/27/2023</a:t>
             </a:fld>
             <a:endParaRPr lang="en-US"/>
           </a:p>
@@ -2851,7 +2860,7 @@
           <p:cNvPr id="5" name="Footer Placeholder 4">
             <a:extLst>
               <a:ext uri="{FF2B5EF4-FFF2-40B4-BE49-F238E27FC236}">
-                <a16:creationId xmlns:a16="http://schemas.microsoft.com/office/drawing/2014/main" id="{4B4EBFC2-28E7-4B50-9949-2BDA85E26BB6}"/>
+                <a16:creationId xmlns:a16="http://schemas.microsoft.com/office/drawing/2014/main" xmlns="" id="{4B4EBFC2-28E7-4B50-9949-2BDA85E26BB6}"/>
               </a:ext>
             </a:extLst>
           </p:cNvPr>
@@ -2876,7 +2885,7 @@
           <p:cNvPr id="6" name="Slide Number Placeholder 5">
             <a:extLst>
               <a:ext uri="{FF2B5EF4-FFF2-40B4-BE49-F238E27FC236}">
-                <a16:creationId xmlns:a16="http://schemas.microsoft.com/office/drawing/2014/main" id="{90C98516-7864-4AE1-84EA-04757DF14368}"/>
+                <a16:creationId xmlns:a16="http://schemas.microsoft.com/office/drawing/2014/main" xmlns="" id="{90C98516-7864-4AE1-84EA-04757DF14368}"/>
               </a:ext>
             </a:extLst>
           </p:cNvPr>
@@ -2894,6 +2903,7 @@
           <a:p>
             <a:fld id="{A1FD0E78-183D-4F7D-A18B-8A4BED7B6988}" type="slidenum">
               <a:rPr lang="en-US" smtClean="0"/>
+              <a:pPr/>
               <a:t>‹#›</a:t>
             </a:fld>
             <a:endParaRPr lang="en-US"/>
@@ -2905,7 +2915,7 @@
           <p:cNvPr id="14" name="Straight Connector 13">
             <a:extLst>
               <a:ext uri="{FF2B5EF4-FFF2-40B4-BE49-F238E27FC236}">
-                <a16:creationId xmlns:a16="http://schemas.microsoft.com/office/drawing/2014/main" id="{709AA055-0DD5-4F16-B6C2-4900CC928098}"/>
+                <a16:creationId xmlns:a16="http://schemas.microsoft.com/office/drawing/2014/main" xmlns="" id="{709AA055-0DD5-4F16-B6C2-4900CC928098}"/>
               </a:ext>
             </a:extLst>
           </p:cNvPr>
@@ -2939,7 +2949,7 @@
     </p:spTree>
     <p:extLst>
       <p:ext uri="{BB962C8B-B14F-4D97-AF65-F5344CB8AC3E}">
-        <p14:creationId xmlns:p14="http://schemas.microsoft.com/office/powerpoint/2010/main" val="3753181276"/>
+        <p14:creationId xmlns:p14="http://schemas.microsoft.com/office/powerpoint/2010/main" xmlns="" val="3753181276"/>
       </p:ext>
     </p:extLst>
   </p:cSld>
@@ -2971,7 +2981,7 @@
           <p:cNvPr id="8" name="Rectangle 7">
             <a:extLst>
               <a:ext uri="{FF2B5EF4-FFF2-40B4-BE49-F238E27FC236}">
-                <a16:creationId xmlns:a16="http://schemas.microsoft.com/office/drawing/2014/main" id="{428ED813-B8D0-48D3-B71C-48DF5BDC9A90}"/>
+                <a16:creationId xmlns:a16="http://schemas.microsoft.com/office/drawing/2014/main" xmlns="" id="{428ED813-B8D0-48D3-B71C-48DF5BDC9A90}"/>
               </a:ext>
             </a:extLst>
           </p:cNvPr>
@@ -3020,7 +3030,7 @@
           <p:cNvPr id="9" name="Rectangle 8">
             <a:extLst>
               <a:ext uri="{FF2B5EF4-FFF2-40B4-BE49-F238E27FC236}">
-                <a16:creationId xmlns:a16="http://schemas.microsoft.com/office/drawing/2014/main" id="{FDF0879C-37D2-4E04-A609-4FEBD2EB69A2}"/>
+                <a16:creationId xmlns:a16="http://schemas.microsoft.com/office/drawing/2014/main" xmlns="" id="{FDF0879C-37D2-4E04-A609-4FEBD2EB69A2}"/>
               </a:ext>
             </a:extLst>
           </p:cNvPr>
@@ -3077,7 +3087,7 @@
           <p:cNvPr id="10" name="Rectangle 9">
             <a:extLst>
               <a:ext uri="{FF2B5EF4-FFF2-40B4-BE49-F238E27FC236}">
-                <a16:creationId xmlns:a16="http://schemas.microsoft.com/office/drawing/2014/main" id="{94C859E1-EF9A-419B-B3AC-AEA4B510D174}"/>
+                <a16:creationId xmlns:a16="http://schemas.microsoft.com/office/drawing/2014/main" xmlns="" id="{94C859E1-EF9A-419B-B3AC-AEA4B510D174}"/>
               </a:ext>
             </a:extLst>
           </p:cNvPr>
@@ -3139,7 +3149,7 @@
           <p:cNvPr id="11" name="Rectangle 10">
             <a:extLst>
               <a:ext uri="{FF2B5EF4-FFF2-40B4-BE49-F238E27FC236}">
-                <a16:creationId xmlns:a16="http://schemas.microsoft.com/office/drawing/2014/main" id="{D14C3DBE-5B2C-4C2D-8079-CF803A046CD5}"/>
+                <a16:creationId xmlns:a16="http://schemas.microsoft.com/office/drawing/2014/main" xmlns="" id="{D14C3DBE-5B2C-4C2D-8079-CF803A046CD5}"/>
               </a:ext>
             </a:extLst>
           </p:cNvPr>
@@ -3201,7 +3211,7 @@
           <p:cNvPr id="12" name="Rectangle 11">
             <a:extLst>
               <a:ext uri="{FF2B5EF4-FFF2-40B4-BE49-F238E27FC236}">
-                <a16:creationId xmlns:a16="http://schemas.microsoft.com/office/drawing/2014/main" id="{ECE1258E-5E7B-49D9-AB2A-3FCE6F2AE3D9}"/>
+                <a16:creationId xmlns:a16="http://schemas.microsoft.com/office/drawing/2014/main" xmlns="" id="{ECE1258E-5E7B-49D9-AB2A-3FCE6F2AE3D9}"/>
               </a:ext>
             </a:extLst>
           </p:cNvPr>
@@ -3263,7 +3273,7 @@
           <p:cNvPr id="13" name="Rectangle 12">
             <a:extLst>
               <a:ext uri="{FF2B5EF4-FFF2-40B4-BE49-F238E27FC236}">
-                <a16:creationId xmlns:a16="http://schemas.microsoft.com/office/drawing/2014/main" id="{EF2A0B40-AB4B-42CA-AD19-364DF8432A34}"/>
+                <a16:creationId xmlns:a16="http://schemas.microsoft.com/office/drawing/2014/main" xmlns="" id="{EF2A0B40-AB4B-42CA-AD19-364DF8432A34}"/>
               </a:ext>
             </a:extLst>
           </p:cNvPr>
@@ -3325,7 +3335,7 @@
           <p:cNvPr id="14" name="Picture 13">
             <a:extLst>
               <a:ext uri="{FF2B5EF4-FFF2-40B4-BE49-F238E27FC236}">
-                <a16:creationId xmlns:a16="http://schemas.microsoft.com/office/drawing/2014/main" id="{5ACF1E32-F9E6-49E7-B655-4856AC619B36}"/>
+                <a16:creationId xmlns:a16="http://schemas.microsoft.com/office/drawing/2014/main" xmlns="" id="{5ACF1E32-F9E6-49E7-B655-4856AC619B36}"/>
               </a:ext>
             </a:extLst>
           </p:cNvPr>
@@ -3335,10 +3345,10 @@
           <p:nvPr/>
         </p:nvPicPr>
         <p:blipFill>
-          <a:blip r:embed="rId2">
+          <a:blip r:embed="rId2" cstate="print">
             <a:extLst>
               <a:ext uri="{28A0092B-C50C-407E-A947-70E740481C1C}">
-                <a14:useLocalDpi xmlns:a14="http://schemas.microsoft.com/office/drawing/2010/main" val="0"/>
+                <a14:useLocalDpi xmlns:a14="http://schemas.microsoft.com/office/drawing/2010/main" xmlns="" val="0"/>
               </a:ext>
             </a:extLst>
           </a:blip>
@@ -3361,7 +3371,7 @@
           <p:cNvPr id="2" name="Title 1">
             <a:extLst>
               <a:ext uri="{FF2B5EF4-FFF2-40B4-BE49-F238E27FC236}">
-                <a16:creationId xmlns:a16="http://schemas.microsoft.com/office/drawing/2014/main" id="{F3355067-D68C-4E9D-814B-94F341ACA832}"/>
+                <a16:creationId xmlns:a16="http://schemas.microsoft.com/office/drawing/2014/main" xmlns="" id="{F3355067-D68C-4E9D-814B-94F341ACA832}"/>
               </a:ext>
             </a:extLst>
           </p:cNvPr>
@@ -3389,7 +3399,7 @@
           <p:cNvPr id="3" name="Content Placeholder 2">
             <a:extLst>
               <a:ext uri="{FF2B5EF4-FFF2-40B4-BE49-F238E27FC236}">
-                <a16:creationId xmlns:a16="http://schemas.microsoft.com/office/drawing/2014/main" id="{E7E56A77-566F-415D-85B3-C170D979EF12}"/>
+                <a16:creationId xmlns:a16="http://schemas.microsoft.com/office/drawing/2014/main" xmlns="" id="{E7E56A77-566F-415D-85B3-C170D979EF12}"/>
               </a:ext>
             </a:extLst>
           </p:cNvPr>
@@ -3451,7 +3461,7 @@
           <p:cNvPr id="4" name="Content Placeholder 3">
             <a:extLst>
               <a:ext uri="{FF2B5EF4-FFF2-40B4-BE49-F238E27FC236}">
-                <a16:creationId xmlns:a16="http://schemas.microsoft.com/office/drawing/2014/main" id="{B022F81A-5D76-4DBF-9DF9-92CD90E7067D}"/>
+                <a16:creationId xmlns:a16="http://schemas.microsoft.com/office/drawing/2014/main" xmlns="" id="{B022F81A-5D76-4DBF-9DF9-92CD90E7067D}"/>
               </a:ext>
             </a:extLst>
           </p:cNvPr>
@@ -3513,7 +3523,7 @@
           <p:cNvPr id="5" name="Date Placeholder 4">
             <a:extLst>
               <a:ext uri="{FF2B5EF4-FFF2-40B4-BE49-F238E27FC236}">
-                <a16:creationId xmlns:a16="http://schemas.microsoft.com/office/drawing/2014/main" id="{F71F8005-F81C-45EB-B6F5-872E765EC87A}"/>
+                <a16:creationId xmlns:a16="http://schemas.microsoft.com/office/drawing/2014/main" xmlns="" id="{F71F8005-F81C-45EB-B6F5-872E765EC87A}"/>
               </a:ext>
             </a:extLst>
           </p:cNvPr>
@@ -3531,7 +3541,8 @@
           <a:p>
             <a:fld id="{D2474CCF-98B4-411A-8810-C31E8C29E19B}" type="datetimeFigureOut">
               <a:rPr lang="en-US" smtClean="0"/>
-              <a:t>3/31/2022</a:t>
+              <a:pPr/>
+              <a:t>7/27/2023</a:t>
             </a:fld>
             <a:endParaRPr lang="en-US"/>
           </a:p>
@@ -3542,7 +3553,7 @@
           <p:cNvPr id="6" name="Footer Placeholder 5">
             <a:extLst>
               <a:ext uri="{FF2B5EF4-FFF2-40B4-BE49-F238E27FC236}">
-                <a16:creationId xmlns:a16="http://schemas.microsoft.com/office/drawing/2014/main" id="{2062E53F-F0E3-4A6E-B3B1-F5491F54889A}"/>
+                <a16:creationId xmlns:a16="http://schemas.microsoft.com/office/drawing/2014/main" xmlns="" id="{2062E53F-F0E3-4A6E-B3B1-F5491F54889A}"/>
               </a:ext>
             </a:extLst>
           </p:cNvPr>
@@ -3567,7 +3578,7 @@
           <p:cNvPr id="7" name="Slide Number Placeholder 6">
             <a:extLst>
               <a:ext uri="{FF2B5EF4-FFF2-40B4-BE49-F238E27FC236}">
-                <a16:creationId xmlns:a16="http://schemas.microsoft.com/office/drawing/2014/main" id="{A8B69BF3-2B4A-42F7-B934-99F11627F82D}"/>
+                <a16:creationId xmlns:a16="http://schemas.microsoft.com/office/drawing/2014/main" xmlns="" id="{A8B69BF3-2B4A-42F7-B934-99F11627F82D}"/>
               </a:ext>
             </a:extLst>
           </p:cNvPr>
@@ -3585,6 +3596,7 @@
           <a:p>
             <a:fld id="{A1FD0E78-183D-4F7D-A18B-8A4BED7B6988}" type="slidenum">
               <a:rPr lang="en-US" smtClean="0"/>
+              <a:pPr/>
               <a:t>‹#›</a:t>
             </a:fld>
             <a:endParaRPr lang="en-US"/>
@@ -3594,7 +3606,7 @@
     </p:spTree>
     <p:extLst>
       <p:ext uri="{BB962C8B-B14F-4D97-AF65-F5344CB8AC3E}">
-        <p14:creationId xmlns:p14="http://schemas.microsoft.com/office/powerpoint/2010/main" val="2838539625"/>
+        <p14:creationId xmlns:p14="http://schemas.microsoft.com/office/powerpoint/2010/main" xmlns="" val="2838539625"/>
       </p:ext>
     </p:extLst>
   </p:cSld>
@@ -3626,7 +3638,7 @@
           <p:cNvPr id="10" name="Rectangle 9">
             <a:extLst>
               <a:ext uri="{FF2B5EF4-FFF2-40B4-BE49-F238E27FC236}">
-                <a16:creationId xmlns:a16="http://schemas.microsoft.com/office/drawing/2014/main" id="{5894546B-A81A-48D4-B4C5-7E2E6285F424}"/>
+                <a16:creationId xmlns:a16="http://schemas.microsoft.com/office/drawing/2014/main" xmlns="" id="{5894546B-A81A-48D4-B4C5-7E2E6285F424}"/>
               </a:ext>
             </a:extLst>
           </p:cNvPr>
@@ -3675,7 +3687,7 @@
           <p:cNvPr id="11" name="Rectangle 10">
             <a:extLst>
               <a:ext uri="{FF2B5EF4-FFF2-40B4-BE49-F238E27FC236}">
-                <a16:creationId xmlns:a16="http://schemas.microsoft.com/office/drawing/2014/main" id="{39C06CAA-5E4F-43E2-8A98-36361486A3A4}"/>
+                <a16:creationId xmlns:a16="http://schemas.microsoft.com/office/drawing/2014/main" xmlns="" id="{39C06CAA-5E4F-43E2-8A98-36361486A3A4}"/>
               </a:ext>
             </a:extLst>
           </p:cNvPr>
@@ -3732,7 +3744,7 @@
           <p:cNvPr id="12" name="Rectangle 11">
             <a:extLst>
               <a:ext uri="{FF2B5EF4-FFF2-40B4-BE49-F238E27FC236}">
-                <a16:creationId xmlns:a16="http://schemas.microsoft.com/office/drawing/2014/main" id="{128E28CB-622A-4807-91B6-87A76E180121}"/>
+                <a16:creationId xmlns:a16="http://schemas.microsoft.com/office/drawing/2014/main" xmlns="" id="{128E28CB-622A-4807-91B6-87A76E180121}"/>
               </a:ext>
             </a:extLst>
           </p:cNvPr>
@@ -3794,7 +3806,7 @@
           <p:cNvPr id="13" name="Rectangle 12">
             <a:extLst>
               <a:ext uri="{FF2B5EF4-FFF2-40B4-BE49-F238E27FC236}">
-                <a16:creationId xmlns:a16="http://schemas.microsoft.com/office/drawing/2014/main" id="{9C30D63E-AE12-491E-81E4-B3C25BA710AC}"/>
+                <a16:creationId xmlns:a16="http://schemas.microsoft.com/office/drawing/2014/main" xmlns="" id="{9C30D63E-AE12-491E-81E4-B3C25BA710AC}"/>
               </a:ext>
             </a:extLst>
           </p:cNvPr>
@@ -3856,7 +3868,7 @@
           <p:cNvPr id="14" name="Rectangle 13">
             <a:extLst>
               <a:ext uri="{FF2B5EF4-FFF2-40B4-BE49-F238E27FC236}">
-                <a16:creationId xmlns:a16="http://schemas.microsoft.com/office/drawing/2014/main" id="{BEA4929A-0E7F-4B2B-81BC-6899210E604F}"/>
+                <a16:creationId xmlns:a16="http://schemas.microsoft.com/office/drawing/2014/main" xmlns="" id="{BEA4929A-0E7F-4B2B-81BC-6899210E604F}"/>
               </a:ext>
             </a:extLst>
           </p:cNvPr>
@@ -3918,7 +3930,7 @@
           <p:cNvPr id="15" name="Rectangle 14">
             <a:extLst>
               <a:ext uri="{FF2B5EF4-FFF2-40B4-BE49-F238E27FC236}">
-                <a16:creationId xmlns:a16="http://schemas.microsoft.com/office/drawing/2014/main" id="{4C27A026-FFDC-4CB9-9AB8-BB4B31660FD8}"/>
+                <a16:creationId xmlns:a16="http://schemas.microsoft.com/office/drawing/2014/main" xmlns="" id="{4C27A026-FFDC-4CB9-9AB8-BB4B31660FD8}"/>
               </a:ext>
             </a:extLst>
           </p:cNvPr>
@@ -3980,7 +3992,7 @@
           <p:cNvPr id="16" name="Picture 15">
             <a:extLst>
               <a:ext uri="{FF2B5EF4-FFF2-40B4-BE49-F238E27FC236}">
-                <a16:creationId xmlns:a16="http://schemas.microsoft.com/office/drawing/2014/main" id="{CE0FBF31-43A4-4034-8688-BF6697211B67}"/>
+                <a16:creationId xmlns:a16="http://schemas.microsoft.com/office/drawing/2014/main" xmlns="" id="{CE0FBF31-43A4-4034-8688-BF6697211B67}"/>
               </a:ext>
             </a:extLst>
           </p:cNvPr>
@@ -3990,10 +4002,10 @@
           <p:nvPr/>
         </p:nvPicPr>
         <p:blipFill>
-          <a:blip r:embed="rId2">
+          <a:blip r:embed="rId2" cstate="print">
             <a:extLst>
               <a:ext uri="{28A0092B-C50C-407E-A947-70E740481C1C}">
-                <a14:useLocalDpi xmlns:a14="http://schemas.microsoft.com/office/drawing/2010/main" val="0"/>
+                <a14:useLocalDpi xmlns:a14="http://schemas.microsoft.com/office/drawing/2010/main" xmlns="" val="0"/>
               </a:ext>
             </a:extLst>
           </a:blip>
@@ -4016,7 +4028,7 @@
           <p:cNvPr id="2" name="Title 1">
             <a:extLst>
               <a:ext uri="{FF2B5EF4-FFF2-40B4-BE49-F238E27FC236}">
-                <a16:creationId xmlns:a16="http://schemas.microsoft.com/office/drawing/2014/main" id="{FA67B1EE-D3B9-4A72-BB78-BEAFBE1FD62F}"/>
+                <a16:creationId xmlns:a16="http://schemas.microsoft.com/office/drawing/2014/main" xmlns="" id="{FA67B1EE-D3B9-4A72-BB78-BEAFBE1FD62F}"/>
               </a:ext>
             </a:extLst>
           </p:cNvPr>
@@ -4049,7 +4061,7 @@
           <p:cNvPr id="3" name="Text Placeholder 2">
             <a:extLst>
               <a:ext uri="{FF2B5EF4-FFF2-40B4-BE49-F238E27FC236}">
-                <a16:creationId xmlns:a16="http://schemas.microsoft.com/office/drawing/2014/main" id="{53C1261F-F460-4F19-99F4-F65B97B6FB44}"/>
+                <a16:creationId xmlns:a16="http://schemas.microsoft.com/office/drawing/2014/main" xmlns="" id="{53C1261F-F460-4F19-99F4-F65B97B6FB44}"/>
               </a:ext>
             </a:extLst>
           </p:cNvPr>
@@ -4120,7 +4132,7 @@
           <p:cNvPr id="4" name="Content Placeholder 3">
             <a:extLst>
               <a:ext uri="{FF2B5EF4-FFF2-40B4-BE49-F238E27FC236}">
-                <a16:creationId xmlns:a16="http://schemas.microsoft.com/office/drawing/2014/main" id="{D0C84E1E-AD39-414E-A630-BB5F20BC8A9B}"/>
+                <a16:creationId xmlns:a16="http://schemas.microsoft.com/office/drawing/2014/main" xmlns="" id="{D0C84E1E-AD39-414E-A630-BB5F20BC8A9B}"/>
               </a:ext>
             </a:extLst>
           </p:cNvPr>
@@ -4182,7 +4194,7 @@
           <p:cNvPr id="5" name="Text Placeholder 4">
             <a:extLst>
               <a:ext uri="{FF2B5EF4-FFF2-40B4-BE49-F238E27FC236}">
-                <a16:creationId xmlns:a16="http://schemas.microsoft.com/office/drawing/2014/main" id="{9EEA01E5-2430-4A1C-8323-5D191529BD67}"/>
+                <a16:creationId xmlns:a16="http://schemas.microsoft.com/office/drawing/2014/main" xmlns="" id="{9EEA01E5-2430-4A1C-8323-5D191529BD67}"/>
               </a:ext>
             </a:extLst>
           </p:cNvPr>
@@ -4253,7 +4265,7 @@
           <p:cNvPr id="6" name="Content Placeholder 5">
             <a:extLst>
               <a:ext uri="{FF2B5EF4-FFF2-40B4-BE49-F238E27FC236}">
-                <a16:creationId xmlns:a16="http://schemas.microsoft.com/office/drawing/2014/main" id="{B4C4A9DA-01AC-4343-9532-A824358CD679}"/>
+                <a16:creationId xmlns:a16="http://schemas.microsoft.com/office/drawing/2014/main" xmlns="" id="{B4C4A9DA-01AC-4343-9532-A824358CD679}"/>
               </a:ext>
             </a:extLst>
           </p:cNvPr>
@@ -4315,7 +4327,7 @@
           <p:cNvPr id="7" name="Date Placeholder 6">
             <a:extLst>
               <a:ext uri="{FF2B5EF4-FFF2-40B4-BE49-F238E27FC236}">
-                <a16:creationId xmlns:a16="http://schemas.microsoft.com/office/drawing/2014/main" id="{CA9BA755-AEE2-4001-8DE6-415A8DBF9673}"/>
+                <a16:creationId xmlns:a16="http://schemas.microsoft.com/office/drawing/2014/main" xmlns="" id="{CA9BA755-AEE2-4001-8DE6-415A8DBF9673}"/>
               </a:ext>
             </a:extLst>
           </p:cNvPr>
@@ -4333,7 +4345,8 @@
           <a:p>
             <a:fld id="{D2474CCF-98B4-411A-8810-C31E8C29E19B}" type="datetimeFigureOut">
               <a:rPr lang="en-US" smtClean="0"/>
-              <a:t>3/31/2022</a:t>
+              <a:pPr/>
+              <a:t>7/27/2023</a:t>
             </a:fld>
             <a:endParaRPr lang="en-US"/>
           </a:p>
@@ -4344,7 +4357,7 @@
           <p:cNvPr id="8" name="Footer Placeholder 7">
             <a:extLst>
               <a:ext uri="{FF2B5EF4-FFF2-40B4-BE49-F238E27FC236}">
-                <a16:creationId xmlns:a16="http://schemas.microsoft.com/office/drawing/2014/main" id="{823B665F-223D-495A-BDBB-E3363CAFC9D8}"/>
+                <a16:creationId xmlns:a16="http://schemas.microsoft.com/office/drawing/2014/main" xmlns="" id="{823B665F-223D-495A-BDBB-E3363CAFC9D8}"/>
               </a:ext>
             </a:extLst>
           </p:cNvPr>
@@ -4369,7 +4382,7 @@
           <p:cNvPr id="9" name="Slide Number Placeholder 8">
             <a:extLst>
               <a:ext uri="{FF2B5EF4-FFF2-40B4-BE49-F238E27FC236}">
-                <a16:creationId xmlns:a16="http://schemas.microsoft.com/office/drawing/2014/main" id="{B19B297C-3F38-49A1-953B-17E3F6F667AE}"/>
+                <a16:creationId xmlns:a16="http://schemas.microsoft.com/office/drawing/2014/main" xmlns="" id="{B19B297C-3F38-49A1-953B-17E3F6F667AE}"/>
               </a:ext>
             </a:extLst>
           </p:cNvPr>
@@ -4387,6 +4400,7 @@
           <a:p>
             <a:fld id="{A1FD0E78-183D-4F7D-A18B-8A4BED7B6988}" type="slidenum">
               <a:rPr lang="en-US" smtClean="0"/>
+              <a:pPr/>
               <a:t>‹#›</a:t>
             </a:fld>
             <a:endParaRPr lang="en-US"/>
@@ -4396,7 +4410,7 @@
     </p:spTree>
     <p:extLst>
       <p:ext uri="{BB962C8B-B14F-4D97-AF65-F5344CB8AC3E}">
-        <p14:creationId xmlns:p14="http://schemas.microsoft.com/office/powerpoint/2010/main" val="265057621"/>
+        <p14:creationId xmlns:p14="http://schemas.microsoft.com/office/powerpoint/2010/main" xmlns="" val="265057621"/>
       </p:ext>
     </p:extLst>
   </p:cSld>
@@ -4428,7 +4442,7 @@
           <p:cNvPr id="6" name="Rectangle 5">
             <a:extLst>
               <a:ext uri="{FF2B5EF4-FFF2-40B4-BE49-F238E27FC236}">
-                <a16:creationId xmlns:a16="http://schemas.microsoft.com/office/drawing/2014/main" id="{37856098-1DA3-49E8-91B8-CAA5CDB7382E}"/>
+                <a16:creationId xmlns:a16="http://schemas.microsoft.com/office/drawing/2014/main" xmlns="" id="{37856098-1DA3-49E8-91B8-CAA5CDB7382E}"/>
               </a:ext>
             </a:extLst>
           </p:cNvPr>
@@ -4477,7 +4491,7 @@
           <p:cNvPr id="7" name="Rectangle 6">
             <a:extLst>
               <a:ext uri="{FF2B5EF4-FFF2-40B4-BE49-F238E27FC236}">
-                <a16:creationId xmlns:a16="http://schemas.microsoft.com/office/drawing/2014/main" id="{8AD2C0DA-73C9-4A83-97A2-EB4541745B64}"/>
+                <a16:creationId xmlns:a16="http://schemas.microsoft.com/office/drawing/2014/main" xmlns="" id="{8AD2C0DA-73C9-4A83-97A2-EB4541745B64}"/>
               </a:ext>
             </a:extLst>
           </p:cNvPr>
@@ -4534,7 +4548,7 @@
           <p:cNvPr id="8" name="Rectangle 7">
             <a:extLst>
               <a:ext uri="{FF2B5EF4-FFF2-40B4-BE49-F238E27FC236}">
-                <a16:creationId xmlns:a16="http://schemas.microsoft.com/office/drawing/2014/main" id="{B83A0938-3C8A-4ACA-8AD0-352B444392A9}"/>
+                <a16:creationId xmlns:a16="http://schemas.microsoft.com/office/drawing/2014/main" xmlns="" id="{B83A0938-3C8A-4ACA-8AD0-352B444392A9}"/>
               </a:ext>
             </a:extLst>
           </p:cNvPr>
@@ -4596,7 +4610,7 @@
           <p:cNvPr id="9" name="Rectangle 8">
             <a:extLst>
               <a:ext uri="{FF2B5EF4-FFF2-40B4-BE49-F238E27FC236}">
-                <a16:creationId xmlns:a16="http://schemas.microsoft.com/office/drawing/2014/main" id="{2FE9A254-00DC-4FF4-ABF3-8D548470A822}"/>
+                <a16:creationId xmlns:a16="http://schemas.microsoft.com/office/drawing/2014/main" xmlns="" id="{2FE9A254-00DC-4FF4-ABF3-8D548470A822}"/>
               </a:ext>
             </a:extLst>
           </p:cNvPr>
@@ -4658,7 +4672,7 @@
           <p:cNvPr id="10" name="Rectangle 9">
             <a:extLst>
               <a:ext uri="{FF2B5EF4-FFF2-40B4-BE49-F238E27FC236}">
-                <a16:creationId xmlns:a16="http://schemas.microsoft.com/office/drawing/2014/main" id="{27E83A17-368C-4CF3-93EE-956780C13754}"/>
+                <a16:creationId xmlns:a16="http://schemas.microsoft.com/office/drawing/2014/main" xmlns="" id="{27E83A17-368C-4CF3-93EE-956780C13754}"/>
               </a:ext>
             </a:extLst>
           </p:cNvPr>
@@ -4720,7 +4734,7 @@
           <p:cNvPr id="11" name="Rectangle 10">
             <a:extLst>
               <a:ext uri="{FF2B5EF4-FFF2-40B4-BE49-F238E27FC236}">
-                <a16:creationId xmlns:a16="http://schemas.microsoft.com/office/drawing/2014/main" id="{F86DDFCB-6B13-4853-B2B2-7FDD576847E1}"/>
+                <a16:creationId xmlns:a16="http://schemas.microsoft.com/office/drawing/2014/main" xmlns="" id="{F86DDFCB-6B13-4853-B2B2-7FDD576847E1}"/>
               </a:ext>
             </a:extLst>
           </p:cNvPr>
@@ -4782,7 +4796,7 @@
           <p:cNvPr id="12" name="Picture 11">
             <a:extLst>
               <a:ext uri="{FF2B5EF4-FFF2-40B4-BE49-F238E27FC236}">
-                <a16:creationId xmlns:a16="http://schemas.microsoft.com/office/drawing/2014/main" id="{64C8E1E0-E974-41E1-9F43-DEF84D8A1F22}"/>
+                <a16:creationId xmlns:a16="http://schemas.microsoft.com/office/drawing/2014/main" xmlns="" id="{64C8E1E0-E974-41E1-9F43-DEF84D8A1F22}"/>
               </a:ext>
             </a:extLst>
           </p:cNvPr>
@@ -4792,10 +4806,10 @@
           <p:nvPr/>
         </p:nvPicPr>
         <p:blipFill>
-          <a:blip r:embed="rId2">
+          <a:blip r:embed="rId2" cstate="print">
             <a:extLst>
               <a:ext uri="{28A0092B-C50C-407E-A947-70E740481C1C}">
-                <a14:useLocalDpi xmlns:a14="http://schemas.microsoft.com/office/drawing/2010/main" val="0"/>
+                <a14:useLocalDpi xmlns:a14="http://schemas.microsoft.com/office/drawing/2010/main" xmlns="" val="0"/>
               </a:ext>
             </a:extLst>
           </a:blip>
@@ -4818,7 +4832,7 @@
           <p:cNvPr id="2" name="Title 1">
             <a:extLst>
               <a:ext uri="{FF2B5EF4-FFF2-40B4-BE49-F238E27FC236}">
-                <a16:creationId xmlns:a16="http://schemas.microsoft.com/office/drawing/2014/main" id="{634473C1-75AC-4CC3-97E1-56E2CDDB9EEA}"/>
+                <a16:creationId xmlns:a16="http://schemas.microsoft.com/office/drawing/2014/main" xmlns="" id="{634473C1-75AC-4CC3-97E1-56E2CDDB9EEA}"/>
               </a:ext>
             </a:extLst>
           </p:cNvPr>
@@ -4846,7 +4860,7 @@
           <p:cNvPr id="3" name="Date Placeholder 2">
             <a:extLst>
               <a:ext uri="{FF2B5EF4-FFF2-40B4-BE49-F238E27FC236}">
-                <a16:creationId xmlns:a16="http://schemas.microsoft.com/office/drawing/2014/main" id="{8027F37E-14E1-44B3-BCD8-AEBD153A14BA}"/>
+                <a16:creationId xmlns:a16="http://schemas.microsoft.com/office/drawing/2014/main" xmlns="" id="{8027F37E-14E1-44B3-BCD8-AEBD153A14BA}"/>
               </a:ext>
             </a:extLst>
           </p:cNvPr>
@@ -4864,7 +4878,8 @@
           <a:p>
             <a:fld id="{D2474CCF-98B4-411A-8810-C31E8C29E19B}" type="datetimeFigureOut">
               <a:rPr lang="en-US" smtClean="0"/>
-              <a:t>3/31/2022</a:t>
+              <a:pPr/>
+              <a:t>7/27/2023</a:t>
             </a:fld>
             <a:endParaRPr lang="en-US"/>
           </a:p>
@@ -4875,7 +4890,7 @@
           <p:cNvPr id="4" name="Footer Placeholder 3">
             <a:extLst>
               <a:ext uri="{FF2B5EF4-FFF2-40B4-BE49-F238E27FC236}">
-                <a16:creationId xmlns:a16="http://schemas.microsoft.com/office/drawing/2014/main" id="{3EEB09FB-ACF3-4E2F-B66D-3E13733A5B2B}"/>
+                <a16:creationId xmlns:a16="http://schemas.microsoft.com/office/drawing/2014/main" xmlns="" id="{3EEB09FB-ACF3-4E2F-B66D-3E13733A5B2B}"/>
               </a:ext>
             </a:extLst>
           </p:cNvPr>
@@ -4900,7 +4915,7 @@
           <p:cNvPr id="5" name="Slide Number Placeholder 4">
             <a:extLst>
               <a:ext uri="{FF2B5EF4-FFF2-40B4-BE49-F238E27FC236}">
-                <a16:creationId xmlns:a16="http://schemas.microsoft.com/office/drawing/2014/main" id="{00D82C6C-9BFE-4C90-A547-8C325C55EAA2}"/>
+                <a16:creationId xmlns:a16="http://schemas.microsoft.com/office/drawing/2014/main" xmlns="" id="{00D82C6C-9BFE-4C90-A547-8C325C55EAA2}"/>
               </a:ext>
             </a:extLst>
           </p:cNvPr>
@@ -4918,6 +4933,7 @@
           <a:p>
             <a:fld id="{A1FD0E78-183D-4F7D-A18B-8A4BED7B6988}" type="slidenum">
               <a:rPr lang="en-US" smtClean="0"/>
+              <a:pPr/>
               <a:t>‹#›</a:t>
             </a:fld>
             <a:endParaRPr lang="en-US"/>
@@ -4927,7 +4943,7 @@
     </p:spTree>
     <p:extLst>
       <p:ext uri="{BB962C8B-B14F-4D97-AF65-F5344CB8AC3E}">
-        <p14:creationId xmlns:p14="http://schemas.microsoft.com/office/powerpoint/2010/main" val="3783065093"/>
+        <p14:creationId xmlns:p14="http://schemas.microsoft.com/office/powerpoint/2010/main" xmlns="" val="3783065093"/>
       </p:ext>
     </p:extLst>
   </p:cSld>
@@ -4959,7 +4975,7 @@
           <p:cNvPr id="5" name="Rectangle 4">
             <a:extLst>
               <a:ext uri="{FF2B5EF4-FFF2-40B4-BE49-F238E27FC236}">
-                <a16:creationId xmlns:a16="http://schemas.microsoft.com/office/drawing/2014/main" id="{F2FA0252-28E1-40E5-ACE6-20D14F5256B9}"/>
+                <a16:creationId xmlns:a16="http://schemas.microsoft.com/office/drawing/2014/main" xmlns="" id="{F2FA0252-28E1-40E5-ACE6-20D14F5256B9}"/>
               </a:ext>
             </a:extLst>
           </p:cNvPr>
@@ -5008,7 +5024,7 @@
           <p:cNvPr id="6" name="Rectangle 5">
             <a:extLst>
               <a:ext uri="{FF2B5EF4-FFF2-40B4-BE49-F238E27FC236}">
-                <a16:creationId xmlns:a16="http://schemas.microsoft.com/office/drawing/2014/main" id="{3E618FD9-31FC-4567-B182-23204706A8B0}"/>
+                <a16:creationId xmlns:a16="http://schemas.microsoft.com/office/drawing/2014/main" xmlns="" id="{3E618FD9-31FC-4567-B182-23204706A8B0}"/>
               </a:ext>
             </a:extLst>
           </p:cNvPr>
@@ -5065,7 +5081,7 @@
           <p:cNvPr id="7" name="Rectangle 6">
             <a:extLst>
               <a:ext uri="{FF2B5EF4-FFF2-40B4-BE49-F238E27FC236}">
-                <a16:creationId xmlns:a16="http://schemas.microsoft.com/office/drawing/2014/main" id="{0B29B7B4-B37A-4ECF-85D2-5A66AA4D9A3E}"/>
+                <a16:creationId xmlns:a16="http://schemas.microsoft.com/office/drawing/2014/main" xmlns="" id="{0B29B7B4-B37A-4ECF-85D2-5A66AA4D9A3E}"/>
               </a:ext>
             </a:extLst>
           </p:cNvPr>
@@ -5127,7 +5143,7 @@
           <p:cNvPr id="8" name="Rectangle 7">
             <a:extLst>
               <a:ext uri="{FF2B5EF4-FFF2-40B4-BE49-F238E27FC236}">
-                <a16:creationId xmlns:a16="http://schemas.microsoft.com/office/drawing/2014/main" id="{CCF4FB33-76DE-4704-8B1A-C3FE16F507E2}"/>
+                <a16:creationId xmlns:a16="http://schemas.microsoft.com/office/drawing/2014/main" xmlns="" id="{CCF4FB33-76DE-4704-8B1A-C3FE16F507E2}"/>
               </a:ext>
             </a:extLst>
           </p:cNvPr>
@@ -5189,7 +5205,7 @@
           <p:cNvPr id="9" name="Rectangle 8">
             <a:extLst>
               <a:ext uri="{FF2B5EF4-FFF2-40B4-BE49-F238E27FC236}">
-                <a16:creationId xmlns:a16="http://schemas.microsoft.com/office/drawing/2014/main" id="{58A894C9-4BA3-403A-B5F2-D596A188AF2F}"/>
+                <a16:creationId xmlns:a16="http://schemas.microsoft.com/office/drawing/2014/main" xmlns="" id="{58A894C9-4BA3-403A-B5F2-D596A188AF2F}"/>
               </a:ext>
             </a:extLst>
           </p:cNvPr>
@@ -5251,7 +5267,7 @@
           <p:cNvPr id="10" name="Rectangle 9">
             <a:extLst>
               <a:ext uri="{FF2B5EF4-FFF2-40B4-BE49-F238E27FC236}">
-                <a16:creationId xmlns:a16="http://schemas.microsoft.com/office/drawing/2014/main" id="{970B9174-D03E-4D6F-A8E5-B9D3C8C2DB80}"/>
+                <a16:creationId xmlns:a16="http://schemas.microsoft.com/office/drawing/2014/main" xmlns="" id="{970B9174-D03E-4D6F-A8E5-B9D3C8C2DB80}"/>
               </a:ext>
             </a:extLst>
           </p:cNvPr>
@@ -5313,7 +5329,7 @@
           <p:cNvPr id="11" name="Picture 10">
             <a:extLst>
               <a:ext uri="{FF2B5EF4-FFF2-40B4-BE49-F238E27FC236}">
-                <a16:creationId xmlns:a16="http://schemas.microsoft.com/office/drawing/2014/main" id="{16EAC91E-9BE5-4729-AA9E-F5E9394A8D1C}"/>
+                <a16:creationId xmlns:a16="http://schemas.microsoft.com/office/drawing/2014/main" xmlns="" id="{16EAC91E-9BE5-4729-AA9E-F5E9394A8D1C}"/>
               </a:ext>
             </a:extLst>
           </p:cNvPr>
@@ -5323,10 +5339,10 @@
           <p:nvPr/>
         </p:nvPicPr>
         <p:blipFill>
-          <a:blip r:embed="rId2">
+          <a:blip r:embed="rId2" cstate="print">
             <a:extLst>
               <a:ext uri="{28A0092B-C50C-407E-A947-70E740481C1C}">
-                <a14:useLocalDpi xmlns:a14="http://schemas.microsoft.com/office/drawing/2010/main" val="0"/>
+                <a14:useLocalDpi xmlns:a14="http://schemas.microsoft.com/office/drawing/2010/main" xmlns="" val="0"/>
               </a:ext>
             </a:extLst>
           </a:blip>
@@ -5349,7 +5365,7 @@
           <p:cNvPr id="2" name="Date Placeholder 1">
             <a:extLst>
               <a:ext uri="{FF2B5EF4-FFF2-40B4-BE49-F238E27FC236}">
-                <a16:creationId xmlns:a16="http://schemas.microsoft.com/office/drawing/2014/main" id="{7839A89A-4F67-468F-80FE-0E3680B1A7D2}"/>
+                <a16:creationId xmlns:a16="http://schemas.microsoft.com/office/drawing/2014/main" xmlns="" id="{7839A89A-4F67-468F-80FE-0E3680B1A7D2}"/>
               </a:ext>
             </a:extLst>
           </p:cNvPr>
@@ -5367,7 +5383,8 @@
           <a:p>
             <a:fld id="{D2474CCF-98B4-411A-8810-C31E8C29E19B}" type="datetimeFigureOut">
               <a:rPr lang="en-US" smtClean="0"/>
-              <a:t>3/31/2022</a:t>
+              <a:pPr/>
+              <a:t>7/27/2023</a:t>
             </a:fld>
             <a:endParaRPr lang="en-US"/>
           </a:p>
@@ -5378,7 +5395,7 @@
           <p:cNvPr id="3" name="Footer Placeholder 2">
             <a:extLst>
               <a:ext uri="{FF2B5EF4-FFF2-40B4-BE49-F238E27FC236}">
-                <a16:creationId xmlns:a16="http://schemas.microsoft.com/office/drawing/2014/main" id="{5C101976-8FCF-4B4F-B90A-B5E724625AE4}"/>
+                <a16:creationId xmlns:a16="http://schemas.microsoft.com/office/drawing/2014/main" xmlns="" id="{5C101976-8FCF-4B4F-B90A-B5E724625AE4}"/>
               </a:ext>
             </a:extLst>
           </p:cNvPr>
@@ -5403,7 +5420,7 @@
           <p:cNvPr id="4" name="Slide Number Placeholder 3">
             <a:extLst>
               <a:ext uri="{FF2B5EF4-FFF2-40B4-BE49-F238E27FC236}">
-                <a16:creationId xmlns:a16="http://schemas.microsoft.com/office/drawing/2014/main" id="{706AE299-AC97-4CB0-8712-61CB13DAB778}"/>
+                <a16:creationId xmlns:a16="http://schemas.microsoft.com/office/drawing/2014/main" xmlns="" id="{706AE299-AC97-4CB0-8712-61CB13DAB778}"/>
               </a:ext>
             </a:extLst>
           </p:cNvPr>
@@ -5421,6 +5438,7 @@
           <a:p>
             <a:fld id="{A1FD0E78-183D-4F7D-A18B-8A4BED7B6988}" type="slidenum">
               <a:rPr lang="en-US" smtClean="0"/>
+              <a:pPr/>
               <a:t>‹#›</a:t>
             </a:fld>
             <a:endParaRPr lang="en-US"/>
@@ -5430,7 +5448,7 @@
     </p:spTree>
     <p:extLst>
       <p:ext uri="{BB962C8B-B14F-4D97-AF65-F5344CB8AC3E}">
-        <p14:creationId xmlns:p14="http://schemas.microsoft.com/office/powerpoint/2010/main" val="3528334488"/>
+        <p14:creationId xmlns:p14="http://schemas.microsoft.com/office/powerpoint/2010/main" xmlns="" val="3528334488"/>
       </p:ext>
     </p:extLst>
   </p:cSld>
@@ -5462,7 +5480,7 @@
           <p:cNvPr id="2" name="Title 1">
             <a:extLst>
               <a:ext uri="{FF2B5EF4-FFF2-40B4-BE49-F238E27FC236}">
-                <a16:creationId xmlns:a16="http://schemas.microsoft.com/office/drawing/2014/main" id="{0AB6CCC9-CB97-4066-B6DA-4148BB88F608}"/>
+                <a16:creationId xmlns:a16="http://schemas.microsoft.com/office/drawing/2014/main" xmlns="" id="{0AB6CCC9-CB97-4066-B6DA-4148BB88F608}"/>
               </a:ext>
             </a:extLst>
           </p:cNvPr>
@@ -5499,7 +5517,7 @@
           <p:cNvPr id="3" name="Content Placeholder 2">
             <a:extLst>
               <a:ext uri="{FF2B5EF4-FFF2-40B4-BE49-F238E27FC236}">
-                <a16:creationId xmlns:a16="http://schemas.microsoft.com/office/drawing/2014/main" id="{F8B6ECEE-E57D-455E-A22A-6DE67E6B8B65}"/>
+                <a16:creationId xmlns:a16="http://schemas.microsoft.com/office/drawing/2014/main" xmlns="" id="{F8B6ECEE-E57D-455E-A22A-6DE67E6B8B65}"/>
               </a:ext>
             </a:extLst>
           </p:cNvPr>
@@ -5589,7 +5607,7 @@
           <p:cNvPr id="4" name="Text Placeholder 3">
             <a:extLst>
               <a:ext uri="{FF2B5EF4-FFF2-40B4-BE49-F238E27FC236}">
-                <a16:creationId xmlns:a16="http://schemas.microsoft.com/office/drawing/2014/main" id="{23E2D1F0-214E-43F0-A7BC-42F93E547BE6}"/>
+                <a16:creationId xmlns:a16="http://schemas.microsoft.com/office/drawing/2014/main" xmlns="" id="{23E2D1F0-214E-43F0-A7BC-42F93E547BE6}"/>
               </a:ext>
             </a:extLst>
           </p:cNvPr>
@@ -5660,7 +5678,7 @@
           <p:cNvPr id="5" name="Date Placeholder 4">
             <a:extLst>
               <a:ext uri="{FF2B5EF4-FFF2-40B4-BE49-F238E27FC236}">
-                <a16:creationId xmlns:a16="http://schemas.microsoft.com/office/drawing/2014/main" id="{D0B125E7-FC1E-4111-8E29-520E9E6AFC29}"/>
+                <a16:creationId xmlns:a16="http://schemas.microsoft.com/office/drawing/2014/main" xmlns="" id="{D0B125E7-FC1E-4111-8E29-520E9E6AFC29}"/>
               </a:ext>
             </a:extLst>
           </p:cNvPr>
@@ -5678,7 +5696,8 @@
           <a:p>
             <a:fld id="{D2474CCF-98B4-411A-8810-C31E8C29E19B}" type="datetimeFigureOut">
               <a:rPr lang="en-US" smtClean="0"/>
-              <a:t>3/31/2022</a:t>
+              <a:pPr/>
+              <a:t>7/27/2023</a:t>
             </a:fld>
             <a:endParaRPr lang="en-US"/>
           </a:p>
@@ -5689,7 +5708,7 @@
           <p:cNvPr id="6" name="Footer Placeholder 5">
             <a:extLst>
               <a:ext uri="{FF2B5EF4-FFF2-40B4-BE49-F238E27FC236}">
-                <a16:creationId xmlns:a16="http://schemas.microsoft.com/office/drawing/2014/main" id="{856E390C-8CD6-41DF-B8A7-0EA86E70449B}"/>
+                <a16:creationId xmlns:a16="http://schemas.microsoft.com/office/drawing/2014/main" xmlns="" id="{856E390C-8CD6-41DF-B8A7-0EA86E70449B}"/>
               </a:ext>
             </a:extLst>
           </p:cNvPr>
@@ -5714,7 +5733,7 @@
           <p:cNvPr id="7" name="Slide Number Placeholder 6">
             <a:extLst>
               <a:ext uri="{FF2B5EF4-FFF2-40B4-BE49-F238E27FC236}">
-                <a16:creationId xmlns:a16="http://schemas.microsoft.com/office/drawing/2014/main" id="{F24D1209-8122-481B-93F3-CD9D18358AD5}"/>
+                <a16:creationId xmlns:a16="http://schemas.microsoft.com/office/drawing/2014/main" xmlns="" id="{F24D1209-8122-481B-93F3-CD9D18358AD5}"/>
               </a:ext>
             </a:extLst>
           </p:cNvPr>
@@ -5732,6 +5751,7 @@
           <a:p>
             <a:fld id="{A1FD0E78-183D-4F7D-A18B-8A4BED7B6988}" type="slidenum">
               <a:rPr lang="en-US" smtClean="0"/>
+              <a:pPr/>
               <a:t>‹#›</a:t>
             </a:fld>
             <a:endParaRPr lang="en-US"/>
@@ -5741,7 +5761,7 @@
     </p:spTree>
     <p:extLst>
       <p:ext uri="{BB962C8B-B14F-4D97-AF65-F5344CB8AC3E}">
-        <p14:creationId xmlns:p14="http://schemas.microsoft.com/office/powerpoint/2010/main" val="2872829762"/>
+        <p14:creationId xmlns:p14="http://schemas.microsoft.com/office/powerpoint/2010/main" xmlns="" val="2872829762"/>
       </p:ext>
     </p:extLst>
   </p:cSld>
@@ -5773,7 +5793,7 @@
           <p:cNvPr id="2" name="Title 1">
             <a:extLst>
               <a:ext uri="{FF2B5EF4-FFF2-40B4-BE49-F238E27FC236}">
-                <a16:creationId xmlns:a16="http://schemas.microsoft.com/office/drawing/2014/main" id="{D0421060-B002-4A29-A677-95E1A92CC3EB}"/>
+                <a16:creationId xmlns:a16="http://schemas.microsoft.com/office/drawing/2014/main" xmlns="" id="{D0421060-B002-4A29-A677-95E1A92CC3EB}"/>
               </a:ext>
             </a:extLst>
           </p:cNvPr>
@@ -5810,7 +5830,7 @@
           <p:cNvPr id="3" name="Picture Placeholder 2">
             <a:extLst>
               <a:ext uri="{FF2B5EF4-FFF2-40B4-BE49-F238E27FC236}">
-                <a16:creationId xmlns:a16="http://schemas.microsoft.com/office/drawing/2014/main" id="{4DA23B8C-6470-4EFE-BA18-C7C748C1CA29}"/>
+                <a16:creationId xmlns:a16="http://schemas.microsoft.com/office/drawing/2014/main" xmlns="" id="{4DA23B8C-6470-4EFE-BA18-C7C748C1CA29}"/>
               </a:ext>
             </a:extLst>
           </p:cNvPr>
@@ -5880,7 +5900,7 @@
           <p:cNvPr id="4" name="Text Placeholder 3">
             <a:extLst>
               <a:ext uri="{FF2B5EF4-FFF2-40B4-BE49-F238E27FC236}">
-                <a16:creationId xmlns:a16="http://schemas.microsoft.com/office/drawing/2014/main" id="{0C14D961-FD3B-461E-A88E-64AC4821E64F}"/>
+                <a16:creationId xmlns:a16="http://schemas.microsoft.com/office/drawing/2014/main" xmlns="" id="{0C14D961-FD3B-461E-A88E-64AC4821E64F}"/>
               </a:ext>
             </a:extLst>
           </p:cNvPr>
@@ -5951,7 +5971,7 @@
           <p:cNvPr id="5" name="Date Placeholder 4">
             <a:extLst>
               <a:ext uri="{FF2B5EF4-FFF2-40B4-BE49-F238E27FC236}">
-                <a16:creationId xmlns:a16="http://schemas.microsoft.com/office/drawing/2014/main" id="{C64AF84C-0554-4D2A-95E2-84C361AAEDFA}"/>
+                <a16:creationId xmlns:a16="http://schemas.microsoft.com/office/drawing/2014/main" xmlns="" id="{C64AF84C-0554-4D2A-95E2-84C361AAEDFA}"/>
               </a:ext>
             </a:extLst>
           </p:cNvPr>
@@ -5969,7 +5989,8 @@
           <a:p>
             <a:fld id="{D2474CCF-98B4-411A-8810-C31E8C29E19B}" type="datetimeFigureOut">
               <a:rPr lang="en-US" smtClean="0"/>
-              <a:t>3/31/2022</a:t>
+              <a:pPr/>
+              <a:t>7/27/2023</a:t>
             </a:fld>
             <a:endParaRPr lang="en-US"/>
           </a:p>
@@ -5980,7 +6001,7 @@
           <p:cNvPr id="6" name="Footer Placeholder 5">
             <a:extLst>
               <a:ext uri="{FF2B5EF4-FFF2-40B4-BE49-F238E27FC236}">
-                <a16:creationId xmlns:a16="http://schemas.microsoft.com/office/drawing/2014/main" id="{682BC5B5-70F3-4D7C-9421-4846A194AF84}"/>
+                <a16:creationId xmlns:a16="http://schemas.microsoft.com/office/drawing/2014/main" xmlns="" id="{682BC5B5-70F3-4D7C-9421-4846A194AF84}"/>
               </a:ext>
             </a:extLst>
           </p:cNvPr>
@@ -6005,7 +6026,7 @@
           <p:cNvPr id="7" name="Slide Number Placeholder 6">
             <a:extLst>
               <a:ext uri="{FF2B5EF4-FFF2-40B4-BE49-F238E27FC236}">
-                <a16:creationId xmlns:a16="http://schemas.microsoft.com/office/drawing/2014/main" id="{040C9E27-8F16-42E6-B25A-6357B56B30CB}"/>
+                <a16:creationId xmlns:a16="http://schemas.microsoft.com/office/drawing/2014/main" xmlns="" id="{040C9E27-8F16-42E6-B25A-6357B56B30CB}"/>
               </a:ext>
             </a:extLst>
           </p:cNvPr>
@@ -6023,6 +6044,7 @@
           <a:p>
             <a:fld id="{A1FD0E78-183D-4F7D-A18B-8A4BED7B6988}" type="slidenum">
               <a:rPr lang="en-US" smtClean="0"/>
+              <a:pPr/>
               <a:t>‹#›</a:t>
             </a:fld>
             <a:endParaRPr lang="en-US"/>
@@ -6032,7 +6054,7 @@
     </p:spTree>
     <p:extLst>
       <p:ext uri="{BB962C8B-B14F-4D97-AF65-F5344CB8AC3E}">
-        <p14:creationId xmlns:p14="http://schemas.microsoft.com/office/powerpoint/2010/main" val="3978059408"/>
+        <p14:creationId xmlns:p14="http://schemas.microsoft.com/office/powerpoint/2010/main" xmlns="" val="3978059408"/>
       </p:ext>
     </p:extLst>
   </p:cSld>
@@ -6069,7 +6091,7 @@
           <p:cNvPr id="2" name="Title Placeholder 1">
             <a:extLst>
               <a:ext uri="{FF2B5EF4-FFF2-40B4-BE49-F238E27FC236}">
-                <a16:creationId xmlns:a16="http://schemas.microsoft.com/office/drawing/2014/main" id="{5672EF02-B3FB-409B-B71D-7DB59224D03E}"/>
+                <a16:creationId xmlns:a16="http://schemas.microsoft.com/office/drawing/2014/main" xmlns="" id="{5672EF02-B3FB-409B-B71D-7DB59224D03E}"/>
               </a:ext>
             </a:extLst>
           </p:cNvPr>
@@ -6107,7 +6129,7 @@
           <p:cNvPr id="3" name="Text Placeholder 2">
             <a:extLst>
               <a:ext uri="{FF2B5EF4-FFF2-40B4-BE49-F238E27FC236}">
-                <a16:creationId xmlns:a16="http://schemas.microsoft.com/office/drawing/2014/main" id="{1FD66FC5-8BC1-45FA-8841-F34FA58FDF13}"/>
+                <a16:creationId xmlns:a16="http://schemas.microsoft.com/office/drawing/2014/main" xmlns="" id="{1FD66FC5-8BC1-45FA-8841-F34FA58FDF13}"/>
               </a:ext>
             </a:extLst>
           </p:cNvPr>
@@ -6174,7 +6196,7 @@
           <p:cNvPr id="4" name="Date Placeholder 3">
             <a:extLst>
               <a:ext uri="{FF2B5EF4-FFF2-40B4-BE49-F238E27FC236}">
-                <a16:creationId xmlns:a16="http://schemas.microsoft.com/office/drawing/2014/main" id="{4107B98F-173F-4961-A753-124D5F25AED6}"/>
+                <a16:creationId xmlns:a16="http://schemas.microsoft.com/office/drawing/2014/main" xmlns="" id="{4107B98F-173F-4961-A753-124D5F25AED6}"/>
               </a:ext>
             </a:extLst>
           </p:cNvPr>
@@ -6210,7 +6232,8 @@
           <a:p>
             <a:fld id="{D2474CCF-98B4-411A-8810-C31E8C29E19B}" type="datetimeFigureOut">
               <a:rPr lang="en-US" smtClean="0"/>
-              <a:t>3/31/2022</a:t>
+              <a:pPr/>
+              <a:t>7/27/2023</a:t>
             </a:fld>
             <a:endParaRPr lang="en-US"/>
           </a:p>
@@ -6221,7 +6244,7 @@
           <p:cNvPr id="5" name="Footer Placeholder 4">
             <a:extLst>
               <a:ext uri="{FF2B5EF4-FFF2-40B4-BE49-F238E27FC236}">
-                <a16:creationId xmlns:a16="http://schemas.microsoft.com/office/drawing/2014/main" id="{69DB7A21-CD9E-479E-AAB2-6CC376E9F692}"/>
+                <a16:creationId xmlns:a16="http://schemas.microsoft.com/office/drawing/2014/main" xmlns="" id="{69DB7A21-CD9E-479E-AAB2-6CC376E9F692}"/>
               </a:ext>
             </a:extLst>
           </p:cNvPr>
@@ -6264,7 +6287,7 @@
           <p:cNvPr id="6" name="Slide Number Placeholder 5">
             <a:extLst>
               <a:ext uri="{FF2B5EF4-FFF2-40B4-BE49-F238E27FC236}">
-                <a16:creationId xmlns:a16="http://schemas.microsoft.com/office/drawing/2014/main" id="{C6ABC126-58FF-4F4D-A936-FEFCC877EF3A}"/>
+                <a16:creationId xmlns:a16="http://schemas.microsoft.com/office/drawing/2014/main" xmlns="" id="{C6ABC126-58FF-4F4D-A936-FEFCC877EF3A}"/>
               </a:ext>
             </a:extLst>
           </p:cNvPr>
@@ -6300,6 +6323,7 @@
           <a:p>
             <a:fld id="{A1FD0E78-183D-4F7D-A18B-8A4BED7B6988}" type="slidenum">
               <a:rPr lang="en-US" smtClean="0"/>
+              <a:pPr/>
               <a:t>‹#›</a:t>
             </a:fld>
             <a:endParaRPr lang="en-US"/>
@@ -6309,7 +6333,7 @@
     </p:spTree>
     <p:extLst>
       <p:ext uri="{BB962C8B-B14F-4D97-AF65-F5344CB8AC3E}">
-        <p14:creationId xmlns:p14="http://schemas.microsoft.com/office/powerpoint/2010/main" val="3606927380"/>
+        <p14:creationId xmlns:p14="http://schemas.microsoft.com/office/powerpoint/2010/main" xmlns="" val="3606927380"/>
       </p:ext>
     </p:extLst>
   </p:cSld>
@@ -6632,7 +6656,7 @@
           <p:cNvPr id="2" name="Title 1">
             <a:extLst>
               <a:ext uri="{FF2B5EF4-FFF2-40B4-BE49-F238E27FC236}">
-                <a16:creationId xmlns:a16="http://schemas.microsoft.com/office/drawing/2014/main" id="{C70F88C2-D62C-496E-8359-A6E42ABBE5C2}"/>
+                <a16:creationId xmlns:a16="http://schemas.microsoft.com/office/drawing/2014/main" xmlns="" id="{C70F88C2-D62C-496E-8359-A6E42ABBE5C2}"/>
               </a:ext>
             </a:extLst>
           </p:cNvPr>
@@ -6660,7 +6684,7 @@
           <p:cNvPr id="3" name="Subtitle 2">
             <a:extLst>
               <a:ext uri="{FF2B5EF4-FFF2-40B4-BE49-F238E27FC236}">
-                <a16:creationId xmlns:a16="http://schemas.microsoft.com/office/drawing/2014/main" id="{D66627D2-8B6B-4DCC-9D83-1FA969EFAFA0}"/>
+                <a16:creationId xmlns:a16="http://schemas.microsoft.com/office/drawing/2014/main" xmlns="" id="{D66627D2-8B6B-4DCC-9D83-1FA969EFAFA0}"/>
               </a:ext>
             </a:extLst>
           </p:cNvPr>
@@ -6701,7 +6725,7 @@
     </p:spTree>
     <p:extLst>
       <p:ext uri="{BB962C8B-B14F-4D97-AF65-F5344CB8AC3E}">
-        <p14:creationId xmlns:p14="http://schemas.microsoft.com/office/powerpoint/2010/main" val="926091206"/>
+        <p14:creationId xmlns:p14="http://schemas.microsoft.com/office/powerpoint/2010/main" xmlns="" val="926091206"/>
       </p:ext>
     </p:extLst>
   </p:cSld>
@@ -6733,7 +6757,7 @@
           <p:cNvPr id="2" name="Title 1">
             <a:extLst>
               <a:ext uri="{FF2B5EF4-FFF2-40B4-BE49-F238E27FC236}">
-                <a16:creationId xmlns:a16="http://schemas.microsoft.com/office/drawing/2014/main" id="{426EEFDC-790E-4E47-A515-1EBCF1F2F2CD}"/>
+                <a16:creationId xmlns:a16="http://schemas.microsoft.com/office/drawing/2014/main" xmlns="" id="{426EEFDC-790E-4E47-A515-1EBCF1F2F2CD}"/>
               </a:ext>
             </a:extLst>
           </p:cNvPr>
@@ -6786,7 +6810,7 @@
           <p:cNvPr id="16" name="Content Placeholder 15">
             <a:extLst>
               <a:ext uri="{FF2B5EF4-FFF2-40B4-BE49-F238E27FC236}">
-                <a16:creationId xmlns:a16="http://schemas.microsoft.com/office/drawing/2014/main" id="{C110FDCF-2EC3-46D4-A98B-824D58833898}"/>
+                <a16:creationId xmlns:a16="http://schemas.microsoft.com/office/drawing/2014/main" xmlns="" id="{C110FDCF-2EC3-46D4-A98B-824D58833898}"/>
               </a:ext>
             </a:extLst>
           </p:cNvPr>
@@ -6804,7 +6828,9 @@
           </a:xfrm>
         </p:spPr>
         <p:txBody>
-          <a:bodyPr/>
+          <a:bodyPr>
+            <a:normAutofit fontScale="92500"/>
+          </a:bodyPr>
           <a:lstStyle/>
           <a:p>
             <a:pPr marL="0" indent="0">
@@ -6878,7 +6904,7 @@
           <p:cNvPr id="3" name="Rectangle 1">
             <a:extLst>
               <a:ext uri="{FF2B5EF4-FFF2-40B4-BE49-F238E27FC236}">
-                <a16:creationId xmlns:a16="http://schemas.microsoft.com/office/drawing/2014/main" id="{8933BF21-2D64-4343-9120-25DA4C3708D7}"/>
+                <a16:creationId xmlns:a16="http://schemas.microsoft.com/office/drawing/2014/main" xmlns="" id="{8933BF21-2D64-4343-9120-25DA4C3708D7}"/>
               </a:ext>
             </a:extLst>
           </p:cNvPr>
@@ -6889,7 +6915,7 @@
         </p:nvSpPr>
         <p:spPr bwMode="auto">
           <a:xfrm>
-            <a:off x="353565" y="1777901"/>
+            <a:off x="864105" y="2014121"/>
             <a:ext cx="9916357" cy="2979586"/>
           </a:xfrm>
           <a:prstGeom prst="rect">
@@ -6904,7 +6930,7 @@
           <a:effectLst/>
           <a:extLst>
             <a:ext uri="{91240B29-F687-4F45-9708-019B960494DF}">
-              <a14:hiddenLine xmlns:a14="http://schemas.microsoft.com/office/drawing/2010/main" w="9525">
+              <a14:hiddenLine xmlns:a14="http://schemas.microsoft.com/office/drawing/2010/main" xmlns="" w="9525">
                 <a:solidFill>
                   <a:schemeClr val="tx1"/>
                 </a:solidFill>
@@ -6914,7 +6940,7 @@
               </a14:hiddenLine>
             </a:ext>
             <a:ext uri="{AF507438-7753-43E0-B8FC-AC1667EBCBE1}">
-              <a14:hiddenEffects xmlns:a14="http://schemas.microsoft.com/office/drawing/2010/main">
+              <a14:hiddenEffects xmlns:a14="http://schemas.microsoft.com/office/drawing/2010/main" xmlns="">
                 <a:effectLst>
                   <a:outerShdw dist="35921" dir="2700000" algn="ctr" rotWithShape="0">
                     <a:schemeClr val="bg2"/>
@@ -7421,7 +7447,7 @@
     </p:spTree>
     <p:extLst>
       <p:ext uri="{BB962C8B-B14F-4D97-AF65-F5344CB8AC3E}">
-        <p14:creationId xmlns:p14="http://schemas.microsoft.com/office/powerpoint/2010/main" val="2290764849"/>
+        <p14:creationId xmlns:p14="http://schemas.microsoft.com/office/powerpoint/2010/main" xmlns="" val="2290764849"/>
       </p:ext>
     </p:extLst>
   </p:cSld>
@@ -7453,7 +7479,7 @@
           <p:cNvPr id="2" name="Title 1">
             <a:extLst>
               <a:ext uri="{FF2B5EF4-FFF2-40B4-BE49-F238E27FC236}">
-                <a16:creationId xmlns:a16="http://schemas.microsoft.com/office/drawing/2014/main" id="{45F33AFC-C220-4038-ACF0-E5D4B3B57FD0}"/>
+                <a16:creationId xmlns:a16="http://schemas.microsoft.com/office/drawing/2014/main" xmlns="" id="{45F33AFC-C220-4038-ACF0-E5D4B3B57FD0}"/>
               </a:ext>
             </a:extLst>
           </p:cNvPr>
@@ -7485,7 +7511,7 @@
           <p:cNvPr id="4" name="Content Placeholder 3">
             <a:extLst>
               <a:ext uri="{FF2B5EF4-FFF2-40B4-BE49-F238E27FC236}">
-                <a16:creationId xmlns:a16="http://schemas.microsoft.com/office/drawing/2014/main" id="{0146DD26-E59E-4BAA-A74F-05E44312CC29}"/>
+                <a16:creationId xmlns:a16="http://schemas.microsoft.com/office/drawing/2014/main" xmlns="" id="{0146DD26-E59E-4BAA-A74F-05E44312CC29}"/>
               </a:ext>
             </a:extLst>
           </p:cNvPr>
@@ -7504,7 +7530,7 @@
         </p:spPr>
         <p:txBody>
           <a:bodyPr>
-            <a:normAutofit lnSpcReduction="10000"/>
+            <a:normAutofit fontScale="92500" lnSpcReduction="10000"/>
           </a:bodyPr>
           <a:lstStyle/>
           <a:p>
@@ -7598,7 +7624,7 @@
           <p:cNvPr id="5" name="TextBox 4">
             <a:extLst>
               <a:ext uri="{FF2B5EF4-FFF2-40B4-BE49-F238E27FC236}">
-                <a16:creationId xmlns:a16="http://schemas.microsoft.com/office/drawing/2014/main" id="{797BA077-F9DF-4F4F-BAB7-56840F68863F}"/>
+                <a16:creationId xmlns:a16="http://schemas.microsoft.com/office/drawing/2014/main" xmlns="" id="{797BA077-F9DF-4F4F-BAB7-56840F68863F}"/>
               </a:ext>
             </a:extLst>
           </p:cNvPr>
@@ -7730,7 +7756,7 @@
           <p:cNvPr id="7" name="TextBox 6">
             <a:extLst>
               <a:ext uri="{FF2B5EF4-FFF2-40B4-BE49-F238E27FC236}">
-                <a16:creationId xmlns:a16="http://schemas.microsoft.com/office/drawing/2014/main" id="{DCF824B1-A417-45E4-887E-6BAFA532C0ED}"/>
+                <a16:creationId xmlns:a16="http://schemas.microsoft.com/office/drawing/2014/main" xmlns="" id="{DCF824B1-A417-45E4-887E-6BAFA532C0ED}"/>
               </a:ext>
             </a:extLst>
           </p:cNvPr>
@@ -7804,7 +7830,7 @@
     </p:spTree>
     <p:extLst>
       <p:ext uri="{BB962C8B-B14F-4D97-AF65-F5344CB8AC3E}">
-        <p14:creationId xmlns:p14="http://schemas.microsoft.com/office/powerpoint/2010/main" val="3570347136"/>
+        <p14:creationId xmlns:p14="http://schemas.microsoft.com/office/powerpoint/2010/main" xmlns="" val="3570347136"/>
       </p:ext>
     </p:extLst>
   </p:cSld>
@@ -7836,7 +7862,7 @@
           <p:cNvPr id="2" name="Title 1">
             <a:extLst>
               <a:ext uri="{FF2B5EF4-FFF2-40B4-BE49-F238E27FC236}">
-                <a16:creationId xmlns:a16="http://schemas.microsoft.com/office/drawing/2014/main" id="{45F33AFC-C220-4038-ACF0-E5D4B3B57FD0}"/>
+                <a16:creationId xmlns:a16="http://schemas.microsoft.com/office/drawing/2014/main" xmlns="" id="{45F33AFC-C220-4038-ACF0-E5D4B3B57FD0}"/>
               </a:ext>
             </a:extLst>
           </p:cNvPr>
@@ -7868,7 +7894,7 @@
           <p:cNvPr id="4" name="Content Placeholder 3">
             <a:extLst>
               <a:ext uri="{FF2B5EF4-FFF2-40B4-BE49-F238E27FC236}">
-                <a16:creationId xmlns:a16="http://schemas.microsoft.com/office/drawing/2014/main" id="{0146DD26-E59E-4BAA-A74F-05E44312CC29}"/>
+                <a16:creationId xmlns:a16="http://schemas.microsoft.com/office/drawing/2014/main" xmlns="" id="{0146DD26-E59E-4BAA-A74F-05E44312CC29}"/>
               </a:ext>
             </a:extLst>
           </p:cNvPr>
@@ -8314,6 +8340,13 @@
             <a:pPr marL="0" indent="0">
               <a:buNone/>
             </a:pPr>
+            <a:r>
+              <a:rPr lang="en-US" b="0" dirty="0">
+                <a:effectLst/>
+                <a:latin typeface="Monaco"/>
+              </a:rPr>
+              <a:t/>
+            </a:r>
             <a:br>
               <a:rPr lang="en-US" b="0" dirty="0">
                 <a:effectLst/>
@@ -8336,7 +8369,7 @@
     </p:spTree>
     <p:extLst>
       <p:ext uri="{BB962C8B-B14F-4D97-AF65-F5344CB8AC3E}">
-        <p14:creationId xmlns:p14="http://schemas.microsoft.com/office/powerpoint/2010/main" val="2967395188"/>
+        <p14:creationId xmlns:p14="http://schemas.microsoft.com/office/powerpoint/2010/main" xmlns="" val="2967395188"/>
       </p:ext>
     </p:extLst>
   </p:cSld>
@@ -8368,7 +8401,7 @@
           <p:cNvPr id="2" name="Title 1">
             <a:extLst>
               <a:ext uri="{FF2B5EF4-FFF2-40B4-BE49-F238E27FC236}">
-                <a16:creationId xmlns:a16="http://schemas.microsoft.com/office/drawing/2014/main" id="{45F33AFC-C220-4038-ACF0-E5D4B3B57FD0}"/>
+                <a16:creationId xmlns:a16="http://schemas.microsoft.com/office/drawing/2014/main" xmlns="" id="{45F33AFC-C220-4038-ACF0-E5D4B3B57FD0}"/>
               </a:ext>
             </a:extLst>
           </p:cNvPr>
@@ -8400,7 +8433,7 @@
           <p:cNvPr id="4" name="Content Placeholder 3">
             <a:extLst>
               <a:ext uri="{FF2B5EF4-FFF2-40B4-BE49-F238E27FC236}">
-                <a16:creationId xmlns:a16="http://schemas.microsoft.com/office/drawing/2014/main" id="{0146DD26-E59E-4BAA-A74F-05E44312CC29}"/>
+                <a16:creationId xmlns:a16="http://schemas.microsoft.com/office/drawing/2014/main" xmlns="" id="{0146DD26-E59E-4BAA-A74F-05E44312CC29}"/>
               </a:ext>
             </a:extLst>
           </p:cNvPr>
@@ -8487,7 +8520,7 @@
           <p:cNvPr id="3" name="Rectangle 1">
             <a:extLst>
               <a:ext uri="{FF2B5EF4-FFF2-40B4-BE49-F238E27FC236}">
-                <a16:creationId xmlns:a16="http://schemas.microsoft.com/office/drawing/2014/main" id="{E59524B0-5EE1-4CBA-B031-D60A84E01A3E}"/>
+                <a16:creationId xmlns:a16="http://schemas.microsoft.com/office/drawing/2014/main" xmlns="" id="{E59524B0-5EE1-4CBA-B031-D60A84E01A3E}"/>
               </a:ext>
             </a:extLst>
           </p:cNvPr>
@@ -8513,7 +8546,7 @@
           <a:effectLst/>
           <a:extLst>
             <a:ext uri="{91240B29-F687-4F45-9708-019B960494DF}">
-              <a14:hiddenLine xmlns:a14="http://schemas.microsoft.com/office/drawing/2010/main" w="9525">
+              <a14:hiddenLine xmlns:a14="http://schemas.microsoft.com/office/drawing/2010/main" xmlns="" w="9525">
                 <a:solidFill>
                   <a:schemeClr val="tx1"/>
                 </a:solidFill>
@@ -8523,7 +8556,7 @@
               </a14:hiddenLine>
             </a:ext>
             <a:ext uri="{AF507438-7753-43E0-B8FC-AC1667EBCBE1}">
-              <a14:hiddenEffects xmlns:a14="http://schemas.microsoft.com/office/drawing/2010/main">
+              <a14:hiddenEffects xmlns:a14="http://schemas.microsoft.com/office/drawing/2010/main" xmlns="">
                 <a:effectLst>
                   <a:outerShdw dist="35921" dir="2700000" algn="ctr" rotWithShape="0">
                     <a:schemeClr val="bg2"/>
@@ -8746,7 +8779,7 @@
     </p:spTree>
     <p:extLst>
       <p:ext uri="{BB962C8B-B14F-4D97-AF65-F5344CB8AC3E}">
-        <p14:creationId xmlns:p14="http://schemas.microsoft.com/office/powerpoint/2010/main" val="3365181577"/>
+        <p14:creationId xmlns:p14="http://schemas.microsoft.com/office/powerpoint/2010/main" xmlns="" val="3365181577"/>
       </p:ext>
     </p:extLst>
   </p:cSld>
@@ -8778,7 +8811,7 @@
           <p:cNvPr id="2" name="Title 1">
             <a:extLst>
               <a:ext uri="{FF2B5EF4-FFF2-40B4-BE49-F238E27FC236}">
-                <a16:creationId xmlns:a16="http://schemas.microsoft.com/office/drawing/2014/main" id="{45F33AFC-C220-4038-ACF0-E5D4B3B57FD0}"/>
+                <a16:creationId xmlns:a16="http://schemas.microsoft.com/office/drawing/2014/main" xmlns="" id="{45F33AFC-C220-4038-ACF0-E5D4B3B57FD0}"/>
               </a:ext>
             </a:extLst>
           </p:cNvPr>
@@ -8810,7 +8843,7 @@
           <p:cNvPr id="4" name="Content Placeholder 3">
             <a:extLst>
               <a:ext uri="{FF2B5EF4-FFF2-40B4-BE49-F238E27FC236}">
-                <a16:creationId xmlns:a16="http://schemas.microsoft.com/office/drawing/2014/main" id="{0146DD26-E59E-4BAA-A74F-05E44312CC29}"/>
+                <a16:creationId xmlns:a16="http://schemas.microsoft.com/office/drawing/2014/main" xmlns="" id="{0146DD26-E59E-4BAA-A74F-05E44312CC29}"/>
               </a:ext>
             </a:extLst>
           </p:cNvPr>
@@ -8960,7 +8993,7 @@
           <p:cNvPr id="3" name="Rectangle 1">
             <a:extLst>
               <a:ext uri="{FF2B5EF4-FFF2-40B4-BE49-F238E27FC236}">
-                <a16:creationId xmlns:a16="http://schemas.microsoft.com/office/drawing/2014/main" id="{0E973062-C933-45B1-BEA4-76FAEB908AA1}"/>
+                <a16:creationId xmlns:a16="http://schemas.microsoft.com/office/drawing/2014/main" xmlns="" id="{0E973062-C933-45B1-BEA4-76FAEB908AA1}"/>
               </a:ext>
             </a:extLst>
           </p:cNvPr>
@@ -8986,7 +9019,7 @@
           <a:effectLst/>
           <a:extLst>
             <a:ext uri="{91240B29-F687-4F45-9708-019B960494DF}">
-              <a14:hiddenLine xmlns:a14="http://schemas.microsoft.com/office/drawing/2010/main" w="9525">
+              <a14:hiddenLine xmlns:a14="http://schemas.microsoft.com/office/drawing/2010/main" xmlns="" w="9525">
                 <a:solidFill>
                   <a:schemeClr val="tx1"/>
                 </a:solidFill>
@@ -8996,7 +9029,7 @@
               </a14:hiddenLine>
             </a:ext>
             <a:ext uri="{AF507438-7753-43E0-B8FC-AC1667EBCBE1}">
-              <a14:hiddenEffects xmlns:a14="http://schemas.microsoft.com/office/drawing/2010/main">
+              <a14:hiddenEffects xmlns:a14="http://schemas.microsoft.com/office/drawing/2010/main" xmlns="">
                 <a:effectLst>
                   <a:outerShdw dist="35921" dir="2700000" algn="ctr" rotWithShape="0">
                     <a:schemeClr val="bg2"/>
@@ -9227,7 +9260,7 @@
           <p:cNvPr id="6" name="TextBox 5">
             <a:extLst>
               <a:ext uri="{FF2B5EF4-FFF2-40B4-BE49-F238E27FC236}">
-                <a16:creationId xmlns:a16="http://schemas.microsoft.com/office/drawing/2014/main" id="{7DEFFF9E-D3DF-4D85-9E31-0A199FE4ADED}"/>
+                <a16:creationId xmlns:a16="http://schemas.microsoft.com/office/drawing/2014/main" xmlns="" id="{7DEFFF9E-D3DF-4D85-9E31-0A199FE4ADED}"/>
               </a:ext>
             </a:extLst>
           </p:cNvPr>
@@ -9810,7 +9843,7 @@
     </p:spTree>
     <p:extLst>
       <p:ext uri="{BB962C8B-B14F-4D97-AF65-F5344CB8AC3E}">
-        <p14:creationId xmlns:p14="http://schemas.microsoft.com/office/powerpoint/2010/main" val="1897580801"/>
+        <p14:creationId xmlns:p14="http://schemas.microsoft.com/office/powerpoint/2010/main" xmlns="" val="1897580801"/>
       </p:ext>
     </p:extLst>
   </p:cSld>
@@ -9842,7 +9875,7 @@
           <p:cNvPr id="2" name="Title 1">
             <a:extLst>
               <a:ext uri="{FF2B5EF4-FFF2-40B4-BE49-F238E27FC236}">
-                <a16:creationId xmlns:a16="http://schemas.microsoft.com/office/drawing/2014/main" id="{45F33AFC-C220-4038-ACF0-E5D4B3B57FD0}"/>
+                <a16:creationId xmlns:a16="http://schemas.microsoft.com/office/drawing/2014/main" xmlns="" id="{45F33AFC-C220-4038-ACF0-E5D4B3B57FD0}"/>
               </a:ext>
             </a:extLst>
           </p:cNvPr>
@@ -9882,7 +9915,7 @@
           <p:cNvPr id="4" name="Content Placeholder 3">
             <a:extLst>
               <a:ext uri="{FF2B5EF4-FFF2-40B4-BE49-F238E27FC236}">
-                <a16:creationId xmlns:a16="http://schemas.microsoft.com/office/drawing/2014/main" id="{0146DD26-E59E-4BAA-A74F-05E44312CC29}"/>
+                <a16:creationId xmlns:a16="http://schemas.microsoft.com/office/drawing/2014/main" xmlns="" id="{0146DD26-E59E-4BAA-A74F-05E44312CC29}"/>
               </a:ext>
             </a:extLst>
           </p:cNvPr>
@@ -9901,7 +9934,7 @@
         </p:spPr>
         <p:txBody>
           <a:bodyPr>
-            <a:normAutofit/>
+            <a:normAutofit lnSpcReduction="10000"/>
           </a:bodyPr>
           <a:lstStyle/>
           <a:p>
@@ -10014,7 +10047,7 @@
           <p:cNvPr id="6" name="TextBox 5">
             <a:extLst>
               <a:ext uri="{FF2B5EF4-FFF2-40B4-BE49-F238E27FC236}">
-                <a16:creationId xmlns:a16="http://schemas.microsoft.com/office/drawing/2014/main" id="{D84807C4-8D37-434C-B2D2-F7B05BB853F8}"/>
+                <a16:creationId xmlns:a16="http://schemas.microsoft.com/office/drawing/2014/main" xmlns="" id="{D84807C4-8D37-434C-B2D2-F7B05BB853F8}"/>
               </a:ext>
             </a:extLst>
           </p:cNvPr>
@@ -10053,7 +10086,7 @@
           <p:cNvPr id="8" name="TextBox 7">
             <a:extLst>
               <a:ext uri="{FF2B5EF4-FFF2-40B4-BE49-F238E27FC236}">
-                <a16:creationId xmlns:a16="http://schemas.microsoft.com/office/drawing/2014/main" id="{2ECAC2D3-0D54-45A8-A1DC-592D419F5D9D}"/>
+                <a16:creationId xmlns:a16="http://schemas.microsoft.com/office/drawing/2014/main" xmlns="" id="{2ECAC2D3-0D54-45A8-A1DC-592D419F5D9D}"/>
               </a:ext>
             </a:extLst>
           </p:cNvPr>
@@ -10131,7 +10164,7 @@
           <p:cNvPr id="10" name="TextBox 9">
             <a:extLst>
               <a:ext uri="{FF2B5EF4-FFF2-40B4-BE49-F238E27FC236}">
-                <a16:creationId xmlns:a16="http://schemas.microsoft.com/office/drawing/2014/main" id="{5D40EF92-E85F-42AF-BBF1-3E6FC9ACAAE0}"/>
+                <a16:creationId xmlns:a16="http://schemas.microsoft.com/office/drawing/2014/main" xmlns="" id="{5D40EF92-E85F-42AF-BBF1-3E6FC9ACAAE0}"/>
               </a:ext>
             </a:extLst>
           </p:cNvPr>
@@ -10140,7 +10173,7 @@
         </p:nvSpPr>
         <p:spPr>
           <a:xfrm>
-            <a:off x="576274" y="3867359"/>
+            <a:off x="675334" y="4393139"/>
             <a:ext cx="8758226" cy="923330"/>
           </a:xfrm>
           <a:prstGeom prst="rect">
@@ -10208,7 +10241,7 @@
     </p:spTree>
     <p:extLst>
       <p:ext uri="{BB962C8B-B14F-4D97-AF65-F5344CB8AC3E}">
-        <p14:creationId xmlns:p14="http://schemas.microsoft.com/office/powerpoint/2010/main" val="2532017899"/>
+        <p14:creationId xmlns:p14="http://schemas.microsoft.com/office/powerpoint/2010/main" xmlns="" val="2532017899"/>
       </p:ext>
     </p:extLst>
   </p:cSld>
@@ -10240,7 +10273,7 @@
           <p:cNvPr id="2" name="Title 1">
             <a:extLst>
               <a:ext uri="{FF2B5EF4-FFF2-40B4-BE49-F238E27FC236}">
-                <a16:creationId xmlns:a16="http://schemas.microsoft.com/office/drawing/2014/main" id="{426EEFDC-790E-4E47-A515-1EBCF1F2F2CD}"/>
+                <a16:creationId xmlns:a16="http://schemas.microsoft.com/office/drawing/2014/main" xmlns="" id="{426EEFDC-790E-4E47-A515-1EBCF1F2F2CD}"/>
               </a:ext>
             </a:extLst>
           </p:cNvPr>
@@ -10285,7 +10318,7 @@
           <p:cNvPr id="5" name="Content Placeholder 4">
             <a:extLst>
               <a:ext uri="{FF2B5EF4-FFF2-40B4-BE49-F238E27FC236}">
-                <a16:creationId xmlns:a16="http://schemas.microsoft.com/office/drawing/2014/main" id="{09A3AABB-4668-4360-89B7-5F59108D648F}"/>
+                <a16:creationId xmlns:a16="http://schemas.microsoft.com/office/drawing/2014/main" xmlns="" id="{09A3AABB-4668-4360-89B7-5F59108D648F}"/>
               </a:ext>
             </a:extLst>
           </p:cNvPr>
@@ -11657,7 +11690,7 @@
     </p:spTree>
     <p:extLst>
       <p:ext uri="{BB962C8B-B14F-4D97-AF65-F5344CB8AC3E}">
-        <p14:creationId xmlns:p14="http://schemas.microsoft.com/office/powerpoint/2010/main" val="2818855821"/>
+        <p14:creationId xmlns:p14="http://schemas.microsoft.com/office/powerpoint/2010/main" xmlns="" val="2818855821"/>
       </p:ext>
     </p:extLst>
   </p:cSld>
@@ -11689,7 +11722,7 @@
           <p:cNvPr id="4" name="Title 3">
             <a:extLst>
               <a:ext uri="{FF2B5EF4-FFF2-40B4-BE49-F238E27FC236}">
-                <a16:creationId xmlns:a16="http://schemas.microsoft.com/office/drawing/2014/main" id="{6A7E5E61-13E2-4755-865D-C70C8D050323}"/>
+                <a16:creationId xmlns:a16="http://schemas.microsoft.com/office/drawing/2014/main" xmlns="" id="{6A7E5E61-13E2-4755-865D-C70C8D050323}"/>
               </a:ext>
             </a:extLst>
           </p:cNvPr>
@@ -11717,7 +11750,7 @@
           <p:cNvPr id="5" name="Text Placeholder 4">
             <a:extLst>
               <a:ext uri="{FF2B5EF4-FFF2-40B4-BE49-F238E27FC236}">
-                <a16:creationId xmlns:a16="http://schemas.microsoft.com/office/drawing/2014/main" id="{FEA8CE66-7498-4D1A-B413-025DF799C0EE}"/>
+                <a16:creationId xmlns:a16="http://schemas.microsoft.com/office/drawing/2014/main" xmlns="" id="{FEA8CE66-7498-4D1A-B413-025DF799C0EE}"/>
               </a:ext>
             </a:extLst>
           </p:cNvPr>
@@ -11740,7 +11773,7 @@
     </p:spTree>
     <p:extLst>
       <p:ext uri="{BB962C8B-B14F-4D97-AF65-F5344CB8AC3E}">
-        <p14:creationId xmlns:p14="http://schemas.microsoft.com/office/powerpoint/2010/main" val="3749363430"/>
+        <p14:creationId xmlns:p14="http://schemas.microsoft.com/office/powerpoint/2010/main" xmlns="" val="3749363430"/>
       </p:ext>
     </p:extLst>
   </p:cSld>
@@ -11793,7 +11826,7 @@
     </a:clrScheme>
     <a:fontScheme name="Office">
       <a:majorFont>
-        <a:latin typeface="Calibri Light" panose="020F0302020204030204"/>
+        <a:latin typeface="Calibri Light"/>
         <a:ea typeface=""/>
         <a:cs typeface=""/>
         <a:font script="Jpan" typeface="游ゴシック Light"/>
@@ -11845,7 +11878,7 @@
         <a:font script="Tfng" typeface="Ebrima"/>
       </a:majorFont>
       <a:minorFont>
-        <a:latin typeface="Calibri" panose="020F0502020204030204"/>
+        <a:latin typeface="Calibri"/>
         <a:ea typeface=""/>
         <a:cs typeface=""/>
         <a:font script="Jpan" typeface="游ゴシック"/>
@@ -12039,7 +12072,7 @@
   <a:extraClrSchemeLst/>
   <a:extLst>
     <a:ext uri="{05A4C25C-085E-4340-85A3-A5531E510DB2}">
-      <thm15:themeFamily xmlns:thm15="http://schemas.microsoft.com/office/thememl/2012/main" name="2018" id="{B0E980CD-A54D-4681-878C-2746A87DC6E5}" vid="{62E40539-E070-47D4-8381-3EBCC8F4FC45}"/>
+      <thm15:themeFamily xmlns:thm15="http://schemas.microsoft.com/office/thememl/2012/main" xmlns="" name="2018" id="{B0E980CD-A54D-4681-878C-2746A87DC6E5}" vid="{62E40539-E070-47D4-8381-3EBCC8F4FC45}"/>
     </a:ext>
   </a:extLst>
 </a:theme>
